--- a/Specification/Spanish/Editable source images/Imágenes Spec Parte 7 - Otros componentes de la consola.pptx
+++ b/Specification/Spanish/Editable source images/Imágenes Spec Parte 7 - Otros componentes de la consola.pptx
@@ -198,7 +198,7 @@
             <a:fld id="{C7513EA5-A849-481D-9314-2474C49C58C3}" type="datetimeFigureOut">
               <a:rPr lang="es-ES" smtClean="0"/>
               <a:pPr/>
-              <a:t>10/12/2023</a:t>
+              <a:t>06/01/2024</a:t>
             </a:fld>
             <a:endParaRPr lang="es-ES"/>
           </a:p>
@@ -728,7 +728,7 @@
             <a:fld id="{1762487E-E677-4519-9D9B-00832401FE8D}" type="datetimeFigureOut">
               <a:rPr lang="es-ES" smtClean="0"/>
               <a:pPr/>
-              <a:t>10/12/2023</a:t>
+              <a:t>06/01/2024</a:t>
             </a:fld>
             <a:endParaRPr lang="es-ES"/>
           </a:p>
@@ -895,7 +895,7 @@
             <a:fld id="{1762487E-E677-4519-9D9B-00832401FE8D}" type="datetimeFigureOut">
               <a:rPr lang="es-ES" smtClean="0"/>
               <a:pPr/>
-              <a:t>10/12/2023</a:t>
+              <a:t>06/01/2024</a:t>
             </a:fld>
             <a:endParaRPr lang="es-ES"/>
           </a:p>
@@ -1072,7 +1072,7 @@
             <a:fld id="{1762487E-E677-4519-9D9B-00832401FE8D}" type="datetimeFigureOut">
               <a:rPr lang="es-ES" smtClean="0"/>
               <a:pPr/>
-              <a:t>10/12/2023</a:t>
+              <a:t>06/01/2024</a:t>
             </a:fld>
             <a:endParaRPr lang="es-ES"/>
           </a:p>
@@ -1239,7 +1239,7 @@
             <a:fld id="{1762487E-E677-4519-9D9B-00832401FE8D}" type="datetimeFigureOut">
               <a:rPr lang="es-ES" smtClean="0"/>
               <a:pPr/>
-              <a:t>10/12/2023</a:t>
+              <a:t>06/01/2024</a:t>
             </a:fld>
             <a:endParaRPr lang="es-ES"/>
           </a:p>
@@ -1482,7 +1482,7 @@
             <a:fld id="{1762487E-E677-4519-9D9B-00832401FE8D}" type="datetimeFigureOut">
               <a:rPr lang="es-ES" smtClean="0"/>
               <a:pPr/>
-              <a:t>10/12/2023</a:t>
+              <a:t>06/01/2024</a:t>
             </a:fld>
             <a:endParaRPr lang="es-ES"/>
           </a:p>
@@ -1767,7 +1767,7 @@
             <a:fld id="{1762487E-E677-4519-9D9B-00832401FE8D}" type="datetimeFigureOut">
               <a:rPr lang="es-ES" smtClean="0"/>
               <a:pPr/>
-              <a:t>10/12/2023</a:t>
+              <a:t>06/01/2024</a:t>
             </a:fld>
             <a:endParaRPr lang="es-ES"/>
           </a:p>
@@ -2191,7 +2191,7 @@
             <a:fld id="{1762487E-E677-4519-9D9B-00832401FE8D}" type="datetimeFigureOut">
               <a:rPr lang="es-ES" smtClean="0"/>
               <a:pPr/>
-              <a:t>10/12/2023</a:t>
+              <a:t>06/01/2024</a:t>
             </a:fld>
             <a:endParaRPr lang="es-ES"/>
           </a:p>
@@ -2306,7 +2306,7 @@
             <a:fld id="{1762487E-E677-4519-9D9B-00832401FE8D}" type="datetimeFigureOut">
               <a:rPr lang="es-ES" smtClean="0"/>
               <a:pPr/>
-              <a:t>10/12/2023</a:t>
+              <a:t>06/01/2024</a:t>
             </a:fld>
             <a:endParaRPr lang="es-ES"/>
           </a:p>
@@ -2398,7 +2398,7 @@
             <a:fld id="{1762487E-E677-4519-9D9B-00832401FE8D}" type="datetimeFigureOut">
               <a:rPr lang="es-ES" smtClean="0"/>
               <a:pPr/>
-              <a:t>10/12/2023</a:t>
+              <a:t>06/01/2024</a:t>
             </a:fld>
             <a:endParaRPr lang="es-ES"/>
           </a:p>
@@ -2672,7 +2672,7 @@
             <a:fld id="{1762487E-E677-4519-9D9B-00832401FE8D}" type="datetimeFigureOut">
               <a:rPr lang="es-ES" smtClean="0"/>
               <a:pPr/>
-              <a:t>10/12/2023</a:t>
+              <a:t>06/01/2024</a:t>
             </a:fld>
             <a:endParaRPr lang="es-ES"/>
           </a:p>
@@ -2922,7 +2922,7 @@
             <a:fld id="{1762487E-E677-4519-9D9B-00832401FE8D}" type="datetimeFigureOut">
               <a:rPr lang="es-ES" smtClean="0"/>
               <a:pPr/>
-              <a:t>10/12/2023</a:t>
+              <a:t>06/01/2024</a:t>
             </a:fld>
             <a:endParaRPr lang="es-ES"/>
           </a:p>
@@ -3135,7 +3135,7 @@
             <a:fld id="{1762487E-E677-4519-9D9B-00832401FE8D}" type="datetimeFigureOut">
               <a:rPr lang="es-ES" smtClean="0"/>
               <a:pPr/>
-              <a:t>10/12/2023</a:t>
+              <a:t>06/01/2024</a:t>
             </a:fld>
             <a:endParaRPr lang="es-ES"/>
           </a:p>
@@ -3559,15 +3559,7 @@
                   <a:srgbClr val="0070C0"/>
                 </a:solidFill>
               </a:rPr>
-              <a:t> </a:t>
-            </a:r>
-            <a:r>
-              <a:rPr lang="es-ES" sz="2400" smtClean="0">
-                <a:solidFill>
-                  <a:srgbClr val="0070C0"/>
-                </a:solidFill>
-              </a:rPr>
-              <a:t>Consola</a:t>
+              <a:t> Consola</a:t>
             </a:r>
             <a:endParaRPr lang="es-ES" sz="2400">
               <a:solidFill>
@@ -3627,7 +3619,7 @@
                   <a:srgbClr val="C00000"/>
                 </a:solidFill>
               </a:rPr>
-              <a:t>Tempori-zador</a:t>
+              <a:t>Reloj</a:t>
             </a:r>
             <a:endParaRPr lang="es-ES" sz="1600" b="1">
               <a:solidFill>
@@ -3939,23 +3931,7 @@
                   <a:srgbClr val="7030A0"/>
                 </a:solidFill>
               </a:rPr>
-              <a:t>Señales de Ciclo </a:t>
-            </a:r>
-            <a:r>
-              <a:rPr lang="es-ES" sz="1400" b="1" smtClean="0">
-                <a:solidFill>
-                  <a:srgbClr val="7030A0"/>
-                </a:solidFill>
-              </a:rPr>
-              <a:t>y</a:t>
-            </a:r>
-            <a:r>
-              <a:rPr lang="es-ES" sz="1400" b="1" smtClean="0">
-                <a:solidFill>
-                  <a:srgbClr val="7030A0"/>
-                </a:solidFill>
-              </a:rPr>
-              <a:t> Frame</a:t>
+              <a:t>Señales de Ciclo y Frame</a:t>
             </a:r>
             <a:endParaRPr lang="es-ES" sz="1400" b="1">
               <a:solidFill>
@@ -4053,15 +4029,7 @@
                   <a:srgbClr val="0070C0"/>
                 </a:solidFill>
               </a:rPr>
-              <a:t> </a:t>
-            </a:r>
-            <a:r>
-              <a:rPr lang="es-ES" sz="2400" smtClean="0">
-                <a:solidFill>
-                  <a:srgbClr val="0070C0"/>
-                </a:solidFill>
-              </a:rPr>
-              <a:t>Consola</a:t>
+              <a:t> Consola</a:t>
             </a:r>
             <a:endParaRPr lang="es-ES" sz="2400">
               <a:solidFill>
@@ -4397,15 +4365,7 @@
                   <a:srgbClr val="0070C0"/>
                 </a:solidFill>
               </a:rPr>
-              <a:t> </a:t>
-            </a:r>
-            <a:r>
-              <a:rPr lang="es-ES" sz="2400" smtClean="0">
-                <a:solidFill>
-                  <a:srgbClr val="0070C0"/>
-                </a:solidFill>
-              </a:rPr>
-              <a:t>Consola</a:t>
+              <a:t> Consola</a:t>
             </a:r>
             <a:endParaRPr lang="es-ES" sz="2400">
               <a:solidFill>
@@ -4465,7 +4425,7 @@
                   <a:srgbClr val="C00000"/>
                 </a:solidFill>
               </a:rPr>
-              <a:t>RNG</a:t>
+              <a:t>GNA</a:t>
             </a:r>
             <a:endParaRPr lang="es-ES" sz="1600" b="1">
               <a:solidFill>
@@ -4801,15 +4761,7 @@
                   <a:srgbClr val="0070C0"/>
                 </a:solidFill>
               </a:rPr>
-              <a:t> </a:t>
-            </a:r>
-            <a:r>
-              <a:rPr lang="es-ES" sz="2400" smtClean="0">
-                <a:solidFill>
-                  <a:srgbClr val="0070C0"/>
-                </a:solidFill>
-              </a:rPr>
-              <a:t>Consola</a:t>
+              <a:t> Consola</a:t>
             </a:r>
             <a:endParaRPr lang="es-ES" sz="2400">
               <a:solidFill>
@@ -5223,15 +5175,7 @@
                   <a:srgbClr val="0070C0"/>
                 </a:solidFill>
               </a:rPr>
-              <a:t> </a:t>
-            </a:r>
-            <a:r>
-              <a:rPr lang="es-ES" sz="2400" smtClean="0">
-                <a:solidFill>
-                  <a:srgbClr val="0070C0"/>
-                </a:solidFill>
-              </a:rPr>
-              <a:t>Consola</a:t>
+              <a:t> Consola</a:t>
             </a:r>
             <a:endParaRPr lang="es-ES" sz="2400">
               <a:solidFill>
@@ -5543,15 +5487,7 @@
                   <a:srgbClr val="FF0000"/>
                 </a:solidFill>
               </a:rPr>
-              <a:t>(1 </a:t>
-            </a:r>
-            <a:r>
-              <a:rPr lang="es-ES" sz="1100" smtClean="0">
-                <a:solidFill>
-                  <a:srgbClr val="FF0000"/>
-                </a:solidFill>
-              </a:rPr>
-              <a:t>sonido)</a:t>
+              <a:t>(1 sonido)</a:t>
             </a:r>
             <a:endParaRPr lang="es-ES" sz="1100">
               <a:solidFill>
@@ -5622,15 +5558,7 @@
                   <a:srgbClr val="FF0000"/>
                 </a:solidFill>
               </a:rPr>
-              <a:t>(1 </a:t>
-            </a:r>
-            <a:r>
-              <a:rPr lang="es-ES" sz="1100" smtClean="0">
-                <a:solidFill>
-                  <a:srgbClr val="FF0000"/>
-                </a:solidFill>
-              </a:rPr>
-              <a:t>imagen)</a:t>
+              <a:t>(1 imagen)</a:t>
             </a:r>
             <a:endParaRPr lang="es-ES" sz="1100">
               <a:solidFill>
@@ -5933,7 +5861,7 @@
           <p:cNvPr id="86" name="Rectángulo 85">
             <a:extLst>
               <a:ext uri="{FF2B5EF4-FFF2-40B4-BE49-F238E27FC236}">
-                <a16:creationId xmlns:a16="http://schemas.microsoft.com/office/drawing/2014/main" xmlns="" id="{D136B626-B99A-4919-8609-F0DA15C64A07}"/>
+                <a16:creationId xmlns="" xmlns:a16="http://schemas.microsoft.com/office/drawing/2014/main" id="{D136B626-B99A-4919-8609-F0DA15C64A07}"/>
               </a:ext>
             </a:extLst>
           </p:cNvPr>
@@ -5985,7 +5913,7 @@
           <p:cNvPr id="88" name="Rectángulo 87">
             <a:extLst>
               <a:ext uri="{FF2B5EF4-FFF2-40B4-BE49-F238E27FC236}">
-                <a16:creationId xmlns:a16="http://schemas.microsoft.com/office/drawing/2014/main" xmlns="" id="{1D5C81C2-3A8D-4B79-84C3-767501CFBACA}"/>
+                <a16:creationId xmlns="" xmlns:a16="http://schemas.microsoft.com/office/drawing/2014/main" id="{1D5C81C2-3A8D-4B79-84C3-767501CFBACA}"/>
               </a:ext>
             </a:extLst>
           </p:cNvPr>
@@ -6037,7 +5965,7 @@
           <p:cNvPr id="90" name="Rectángulo 89">
             <a:extLst>
               <a:ext uri="{FF2B5EF4-FFF2-40B4-BE49-F238E27FC236}">
-                <a16:creationId xmlns:a16="http://schemas.microsoft.com/office/drawing/2014/main" xmlns="" id="{3561981F-4785-4A09-8181-E0BC6A56A32D}"/>
+                <a16:creationId xmlns="" xmlns:a16="http://schemas.microsoft.com/office/drawing/2014/main" id="{3561981F-4785-4A09-8181-E0BC6A56A32D}"/>
               </a:ext>
             </a:extLst>
           </p:cNvPr>
@@ -6089,7 +6017,7 @@
           <p:cNvPr id="92" name="Rectángulo 91">
             <a:extLst>
               <a:ext uri="{FF2B5EF4-FFF2-40B4-BE49-F238E27FC236}">
-                <a16:creationId xmlns:a16="http://schemas.microsoft.com/office/drawing/2014/main" xmlns="" id="{BC1258C2-8AC5-44BE-A819-DA652F727394}"/>
+                <a16:creationId xmlns="" xmlns:a16="http://schemas.microsoft.com/office/drawing/2014/main" id="{BC1258C2-8AC5-44BE-A819-DA652F727394}"/>
               </a:ext>
             </a:extLst>
           </p:cNvPr>
@@ -6141,7 +6069,7 @@
           <p:cNvPr id="94" name="Rectángulo 93">
             <a:extLst>
               <a:ext uri="{FF2B5EF4-FFF2-40B4-BE49-F238E27FC236}">
-                <a16:creationId xmlns:a16="http://schemas.microsoft.com/office/drawing/2014/main" xmlns="" id="{09FA9F8B-4F70-4843-9EAC-9A6B1124B191}"/>
+                <a16:creationId xmlns="" xmlns:a16="http://schemas.microsoft.com/office/drawing/2014/main" id="{09FA9F8B-4F70-4843-9EAC-9A6B1124B191}"/>
               </a:ext>
             </a:extLst>
           </p:cNvPr>
@@ -6193,7 +6121,7 @@
           <p:cNvPr id="96" name="Rectángulo 95">
             <a:extLst>
               <a:ext uri="{FF2B5EF4-FFF2-40B4-BE49-F238E27FC236}">
-                <a16:creationId xmlns:a16="http://schemas.microsoft.com/office/drawing/2014/main" xmlns="" id="{BDE75ADB-62F6-4B06-A8C8-48FFC0734776}"/>
+                <a16:creationId xmlns="" xmlns:a16="http://schemas.microsoft.com/office/drawing/2014/main" id="{BDE75ADB-62F6-4B06-A8C8-48FFC0734776}"/>
               </a:ext>
             </a:extLst>
           </p:cNvPr>
@@ -6245,7 +6173,7 @@
           <p:cNvPr id="98" name="Rectángulo 97">
             <a:extLst>
               <a:ext uri="{FF2B5EF4-FFF2-40B4-BE49-F238E27FC236}">
-                <a16:creationId xmlns:a16="http://schemas.microsoft.com/office/drawing/2014/main" xmlns="" id="{CE8D17C1-C2A2-4D3F-9B83-195AFB3C969B}"/>
+                <a16:creationId xmlns="" xmlns:a16="http://schemas.microsoft.com/office/drawing/2014/main" id="{CE8D17C1-C2A2-4D3F-9B83-195AFB3C969B}"/>
               </a:ext>
             </a:extLst>
           </p:cNvPr>
@@ -6297,7 +6225,7 @@
           <p:cNvPr id="100" name="Rectángulo 99">
             <a:extLst>
               <a:ext uri="{FF2B5EF4-FFF2-40B4-BE49-F238E27FC236}">
-                <a16:creationId xmlns:a16="http://schemas.microsoft.com/office/drawing/2014/main" xmlns="" id="{3BEECC94-5FF0-48DA-BCEC-E87CA93FD03A}"/>
+                <a16:creationId xmlns="" xmlns:a16="http://schemas.microsoft.com/office/drawing/2014/main" id="{3BEECC94-5FF0-48DA-BCEC-E87CA93FD03A}"/>
               </a:ext>
             </a:extLst>
           </p:cNvPr>
@@ -6349,7 +6277,7 @@
           <p:cNvPr id="101" name="Rectángulo 100">
             <a:extLst>
               <a:ext uri="{FF2B5EF4-FFF2-40B4-BE49-F238E27FC236}">
-                <a16:creationId xmlns:a16="http://schemas.microsoft.com/office/drawing/2014/main" xmlns="" id="{5AF5D5E5-FA6F-48E1-AEEC-C2D0AFCABAD3}"/>
+                <a16:creationId xmlns="" xmlns:a16="http://schemas.microsoft.com/office/drawing/2014/main" id="{5AF5D5E5-FA6F-48E1-AEEC-C2D0AFCABAD3}"/>
               </a:ext>
             </a:extLst>
           </p:cNvPr>
@@ -6401,7 +6329,7 @@
           <p:cNvPr id="108" name="Rectángulo 107">
             <a:extLst>
               <a:ext uri="{FF2B5EF4-FFF2-40B4-BE49-F238E27FC236}">
-                <a16:creationId xmlns:a16="http://schemas.microsoft.com/office/drawing/2014/main" xmlns="" id="{FC54B5E4-BD6D-47B2-A73F-551173B6F644}"/>
+                <a16:creationId xmlns="" xmlns:a16="http://schemas.microsoft.com/office/drawing/2014/main" id="{FC54B5E4-BD6D-47B2-A73F-551173B6F644}"/>
               </a:ext>
             </a:extLst>
           </p:cNvPr>
@@ -6453,7 +6381,7 @@
           <p:cNvPr id="111" name="Rectángulo 110">
             <a:extLst>
               <a:ext uri="{FF2B5EF4-FFF2-40B4-BE49-F238E27FC236}">
-                <a16:creationId xmlns:a16="http://schemas.microsoft.com/office/drawing/2014/main" xmlns="" id="{A01D818C-C207-48AE-B849-41C661FD0762}"/>
+                <a16:creationId xmlns="" xmlns:a16="http://schemas.microsoft.com/office/drawing/2014/main" id="{A01D818C-C207-48AE-B849-41C661FD0762}"/>
               </a:ext>
             </a:extLst>
           </p:cNvPr>
@@ -6505,7 +6433,7 @@
           <p:cNvPr id="113" name="Rectángulo 112">
             <a:extLst>
               <a:ext uri="{FF2B5EF4-FFF2-40B4-BE49-F238E27FC236}">
-                <a16:creationId xmlns:a16="http://schemas.microsoft.com/office/drawing/2014/main" xmlns="" id="{925158CF-29ED-4A4A-B3AF-C72B5B7BB7EC}"/>
+                <a16:creationId xmlns="" xmlns:a16="http://schemas.microsoft.com/office/drawing/2014/main" id="{925158CF-29ED-4A4A-B3AF-C72B5B7BB7EC}"/>
               </a:ext>
             </a:extLst>
           </p:cNvPr>
@@ -6557,7 +6485,7 @@
           <p:cNvPr id="115" name="Rectángulo 114">
             <a:extLst>
               <a:ext uri="{FF2B5EF4-FFF2-40B4-BE49-F238E27FC236}">
-                <a16:creationId xmlns:a16="http://schemas.microsoft.com/office/drawing/2014/main" xmlns="" id="{499E038A-214A-49F9-8103-A9A3A620F489}"/>
+                <a16:creationId xmlns="" xmlns:a16="http://schemas.microsoft.com/office/drawing/2014/main" id="{499E038A-214A-49F9-8103-A9A3A620F489}"/>
               </a:ext>
             </a:extLst>
           </p:cNvPr>
@@ -6609,7 +6537,7 @@
           <p:cNvPr id="117" name="Rectángulo 116">
             <a:extLst>
               <a:ext uri="{FF2B5EF4-FFF2-40B4-BE49-F238E27FC236}">
-                <a16:creationId xmlns:a16="http://schemas.microsoft.com/office/drawing/2014/main" xmlns="" id="{0664541E-0833-4A5E-A8EF-5A3FCF77F63E}"/>
+                <a16:creationId xmlns="" xmlns:a16="http://schemas.microsoft.com/office/drawing/2014/main" id="{0664541E-0833-4A5E-A8EF-5A3FCF77F63E}"/>
               </a:ext>
             </a:extLst>
           </p:cNvPr>
@@ -6661,7 +6589,7 @@
           <p:cNvPr id="120" name="Rectángulo 119">
             <a:extLst>
               <a:ext uri="{FF2B5EF4-FFF2-40B4-BE49-F238E27FC236}">
-                <a16:creationId xmlns:a16="http://schemas.microsoft.com/office/drawing/2014/main" xmlns="" id="{79D68643-0A1E-495E-80FB-534377898035}"/>
+                <a16:creationId xmlns="" xmlns:a16="http://schemas.microsoft.com/office/drawing/2014/main" id="{79D68643-0A1E-495E-80FB-534377898035}"/>
               </a:ext>
             </a:extLst>
           </p:cNvPr>
@@ -6713,7 +6641,7 @@
           <p:cNvPr id="127" name="Rectángulo 126">
             <a:extLst>
               <a:ext uri="{FF2B5EF4-FFF2-40B4-BE49-F238E27FC236}">
-                <a16:creationId xmlns:a16="http://schemas.microsoft.com/office/drawing/2014/main" xmlns="" id="{E7BD9940-F968-4B8B-8CF6-01F0F9A79FC5}"/>
+                <a16:creationId xmlns="" xmlns:a16="http://schemas.microsoft.com/office/drawing/2014/main" id="{E7BD9940-F968-4B8B-8CF6-01F0F9A79FC5}"/>
               </a:ext>
             </a:extLst>
           </p:cNvPr>
@@ -6765,7 +6693,7 @@
           <p:cNvPr id="128" name="Rectángulo 127">
             <a:extLst>
               <a:ext uri="{FF2B5EF4-FFF2-40B4-BE49-F238E27FC236}">
-                <a16:creationId xmlns:a16="http://schemas.microsoft.com/office/drawing/2014/main" xmlns="" id="{9A111A93-0EBA-486F-9846-8B244017B371}"/>
+                <a16:creationId xmlns="" xmlns:a16="http://schemas.microsoft.com/office/drawing/2014/main" id="{9A111A93-0EBA-486F-9846-8B244017B371}"/>
               </a:ext>
             </a:extLst>
           </p:cNvPr>
@@ -6817,7 +6745,7 @@
           <p:cNvPr id="129" name="Rectángulo 128">
             <a:extLst>
               <a:ext uri="{FF2B5EF4-FFF2-40B4-BE49-F238E27FC236}">
-                <a16:creationId xmlns:a16="http://schemas.microsoft.com/office/drawing/2014/main" xmlns="" id="{2EDC590C-B79B-4455-B21A-E52CD413002F}"/>
+                <a16:creationId xmlns="" xmlns:a16="http://schemas.microsoft.com/office/drawing/2014/main" id="{2EDC590C-B79B-4455-B21A-E52CD413002F}"/>
               </a:ext>
             </a:extLst>
           </p:cNvPr>
@@ -6869,7 +6797,7 @@
           <p:cNvPr id="130" name="Rectángulo 129">
             <a:extLst>
               <a:ext uri="{FF2B5EF4-FFF2-40B4-BE49-F238E27FC236}">
-                <a16:creationId xmlns:a16="http://schemas.microsoft.com/office/drawing/2014/main" xmlns="" id="{BFE52AF6-0715-45AA-BE61-460045DFF830}"/>
+                <a16:creationId xmlns="" xmlns:a16="http://schemas.microsoft.com/office/drawing/2014/main" id="{BFE52AF6-0715-45AA-BE61-460045DFF830}"/>
               </a:ext>
             </a:extLst>
           </p:cNvPr>
@@ -6921,7 +6849,7 @@
           <p:cNvPr id="131" name="Rectángulo 130">
             <a:extLst>
               <a:ext uri="{FF2B5EF4-FFF2-40B4-BE49-F238E27FC236}">
-                <a16:creationId xmlns:a16="http://schemas.microsoft.com/office/drawing/2014/main" xmlns="" id="{ABD5847F-75F1-4799-9544-668E918A0AC5}"/>
+                <a16:creationId xmlns="" xmlns:a16="http://schemas.microsoft.com/office/drawing/2014/main" id="{ABD5847F-75F1-4799-9544-668E918A0AC5}"/>
               </a:ext>
             </a:extLst>
           </p:cNvPr>
@@ -6973,7 +6901,7 @@
           <p:cNvPr id="132" name="Rectángulo 131">
             <a:extLst>
               <a:ext uri="{FF2B5EF4-FFF2-40B4-BE49-F238E27FC236}">
-                <a16:creationId xmlns:a16="http://schemas.microsoft.com/office/drawing/2014/main" xmlns="" id="{8B57A71E-4CB6-4D59-94FC-2987F4485F43}"/>
+                <a16:creationId xmlns="" xmlns:a16="http://schemas.microsoft.com/office/drawing/2014/main" id="{8B57A71E-4CB6-4D59-94FC-2987F4485F43}"/>
               </a:ext>
             </a:extLst>
           </p:cNvPr>
@@ -7025,7 +6953,7 @@
           <p:cNvPr id="133" name="Rectángulo 132">
             <a:extLst>
               <a:ext uri="{FF2B5EF4-FFF2-40B4-BE49-F238E27FC236}">
-                <a16:creationId xmlns:a16="http://schemas.microsoft.com/office/drawing/2014/main" xmlns="" id="{852973DA-04D7-48FC-8EEF-735C27611E8E}"/>
+                <a16:creationId xmlns="" xmlns:a16="http://schemas.microsoft.com/office/drawing/2014/main" id="{852973DA-04D7-48FC-8EEF-735C27611E8E}"/>
               </a:ext>
             </a:extLst>
           </p:cNvPr>
@@ -7077,7 +7005,7 @@
           <p:cNvPr id="134" name="Rectángulo 133">
             <a:extLst>
               <a:ext uri="{FF2B5EF4-FFF2-40B4-BE49-F238E27FC236}">
-                <a16:creationId xmlns:a16="http://schemas.microsoft.com/office/drawing/2014/main" xmlns="" id="{722DFA65-C143-4D0A-94F4-305BA1B1E318}"/>
+                <a16:creationId xmlns="" xmlns:a16="http://schemas.microsoft.com/office/drawing/2014/main" id="{722DFA65-C143-4D0A-94F4-305BA1B1E318}"/>
               </a:ext>
             </a:extLst>
           </p:cNvPr>
@@ -7129,7 +7057,7 @@
           <p:cNvPr id="135" name="Rectángulo 134">
             <a:extLst>
               <a:ext uri="{FF2B5EF4-FFF2-40B4-BE49-F238E27FC236}">
-                <a16:creationId xmlns:a16="http://schemas.microsoft.com/office/drawing/2014/main" xmlns="" id="{05562AE3-F2A7-4FE9-BCD7-055717A12BA2}"/>
+                <a16:creationId xmlns="" xmlns:a16="http://schemas.microsoft.com/office/drawing/2014/main" id="{05562AE3-F2A7-4FE9-BCD7-055717A12BA2}"/>
               </a:ext>
             </a:extLst>
           </p:cNvPr>
@@ -7181,7 +7109,7 @@
           <p:cNvPr id="136" name="Rectángulo 135">
             <a:extLst>
               <a:ext uri="{FF2B5EF4-FFF2-40B4-BE49-F238E27FC236}">
-                <a16:creationId xmlns:a16="http://schemas.microsoft.com/office/drawing/2014/main" xmlns="" id="{45204B18-3348-4086-8A71-A0A62EB4C662}"/>
+                <a16:creationId xmlns="" xmlns:a16="http://schemas.microsoft.com/office/drawing/2014/main" id="{45204B18-3348-4086-8A71-A0A62EB4C662}"/>
               </a:ext>
             </a:extLst>
           </p:cNvPr>
@@ -7233,7 +7161,7 @@
           <p:cNvPr id="137" name="Rectángulo 136">
             <a:extLst>
               <a:ext uri="{FF2B5EF4-FFF2-40B4-BE49-F238E27FC236}">
-                <a16:creationId xmlns:a16="http://schemas.microsoft.com/office/drawing/2014/main" xmlns="" id="{4431FD59-9C6C-4FD4-A087-B445A8EF6FDF}"/>
+                <a16:creationId xmlns="" xmlns:a16="http://schemas.microsoft.com/office/drawing/2014/main" id="{4431FD59-9C6C-4FD4-A087-B445A8EF6FDF}"/>
               </a:ext>
             </a:extLst>
           </p:cNvPr>
@@ -7285,7 +7213,7 @@
           <p:cNvPr id="138" name="Rectángulo 137">
             <a:extLst>
               <a:ext uri="{FF2B5EF4-FFF2-40B4-BE49-F238E27FC236}">
-                <a16:creationId xmlns:a16="http://schemas.microsoft.com/office/drawing/2014/main" xmlns="" id="{831ABC75-3734-44DE-B678-F9A08F453CA9}"/>
+                <a16:creationId xmlns="" xmlns:a16="http://schemas.microsoft.com/office/drawing/2014/main" id="{831ABC75-3734-44DE-B678-F9A08F453CA9}"/>
               </a:ext>
             </a:extLst>
           </p:cNvPr>
@@ -7337,7 +7265,7 @@
           <p:cNvPr id="139" name="Rectángulo 138">
             <a:extLst>
               <a:ext uri="{FF2B5EF4-FFF2-40B4-BE49-F238E27FC236}">
-                <a16:creationId xmlns:a16="http://schemas.microsoft.com/office/drawing/2014/main" xmlns="" id="{6747C598-6F27-48F6-8699-DE71CA8AAC56}"/>
+                <a16:creationId xmlns="" xmlns:a16="http://schemas.microsoft.com/office/drawing/2014/main" id="{6747C598-6F27-48F6-8699-DE71CA8AAC56}"/>
               </a:ext>
             </a:extLst>
           </p:cNvPr>
@@ -7389,7 +7317,7 @@
           <p:cNvPr id="140" name="Rectángulo 139">
             <a:extLst>
               <a:ext uri="{FF2B5EF4-FFF2-40B4-BE49-F238E27FC236}">
-                <a16:creationId xmlns:a16="http://schemas.microsoft.com/office/drawing/2014/main" xmlns="" id="{C847B380-C1D4-4340-AFA5-431A25138A62}"/>
+                <a16:creationId xmlns="" xmlns:a16="http://schemas.microsoft.com/office/drawing/2014/main" id="{C847B380-C1D4-4340-AFA5-431A25138A62}"/>
               </a:ext>
             </a:extLst>
           </p:cNvPr>
@@ -7441,7 +7369,7 @@
           <p:cNvPr id="141" name="Rectángulo 140">
             <a:extLst>
               <a:ext uri="{FF2B5EF4-FFF2-40B4-BE49-F238E27FC236}">
-                <a16:creationId xmlns:a16="http://schemas.microsoft.com/office/drawing/2014/main" xmlns="" id="{E7925BD4-0E84-4AC6-9E38-CD5780EE73A7}"/>
+                <a16:creationId xmlns="" xmlns:a16="http://schemas.microsoft.com/office/drawing/2014/main" id="{E7925BD4-0E84-4AC6-9E38-CD5780EE73A7}"/>
               </a:ext>
             </a:extLst>
           </p:cNvPr>
@@ -7493,7 +7421,7 @@
           <p:cNvPr id="147" name="Rectángulo 146">
             <a:extLst>
               <a:ext uri="{FF2B5EF4-FFF2-40B4-BE49-F238E27FC236}">
-                <a16:creationId xmlns:a16="http://schemas.microsoft.com/office/drawing/2014/main" xmlns="" id="{2A8C2ECE-5ECC-4C5D-85C5-B01FE7E065E5}"/>
+                <a16:creationId xmlns="" xmlns:a16="http://schemas.microsoft.com/office/drawing/2014/main" id="{2A8C2ECE-5ECC-4C5D-85C5-B01FE7E065E5}"/>
               </a:ext>
             </a:extLst>
           </p:cNvPr>
@@ -7545,7 +7473,7 @@
           <p:cNvPr id="151" name="Rectángulo 150">
             <a:extLst>
               <a:ext uri="{FF2B5EF4-FFF2-40B4-BE49-F238E27FC236}">
-                <a16:creationId xmlns:a16="http://schemas.microsoft.com/office/drawing/2014/main" xmlns="" id="{39BED3B9-5161-4238-A6B4-E73C2313BF03}"/>
+                <a16:creationId xmlns="" xmlns:a16="http://schemas.microsoft.com/office/drawing/2014/main" id="{39BED3B9-5161-4238-A6B4-E73C2313BF03}"/>
               </a:ext>
             </a:extLst>
           </p:cNvPr>
@@ -7597,7 +7525,7 @@
           <p:cNvPr id="152" name="Conector recto 151">
             <a:extLst>
               <a:ext uri="{FF2B5EF4-FFF2-40B4-BE49-F238E27FC236}">
-                <a16:creationId xmlns:a16="http://schemas.microsoft.com/office/drawing/2014/main" xmlns="" id="{7E9F22F7-742E-4F2E-ABEF-67ECBC1C0BB1}"/>
+                <a16:creationId xmlns="" xmlns:a16="http://schemas.microsoft.com/office/drawing/2014/main" id="{7E9F22F7-742E-4F2E-ABEF-67ECBC1C0BB1}"/>
               </a:ext>
             </a:extLst>
           </p:cNvPr>
@@ -7640,7 +7568,7 @@
           <p:cNvPr id="156" name="Conector recto 155">
             <a:extLst>
               <a:ext uri="{FF2B5EF4-FFF2-40B4-BE49-F238E27FC236}">
-                <a16:creationId xmlns:a16="http://schemas.microsoft.com/office/drawing/2014/main" xmlns="" id="{ADE4CF5E-7706-4075-9EBC-713026A07A99}"/>
+                <a16:creationId xmlns="" xmlns:a16="http://schemas.microsoft.com/office/drawing/2014/main" id="{ADE4CF5E-7706-4075-9EBC-713026A07A99}"/>
               </a:ext>
             </a:extLst>
           </p:cNvPr>
@@ -7683,7 +7611,7 @@
           <p:cNvPr id="158" name="Conector recto de flecha 157">
             <a:extLst>
               <a:ext uri="{FF2B5EF4-FFF2-40B4-BE49-F238E27FC236}">
-                <a16:creationId xmlns:a16="http://schemas.microsoft.com/office/drawing/2014/main" xmlns="" id="{E462C51E-1902-4E27-A25A-6B3B8509589C}"/>
+                <a16:creationId xmlns="" xmlns:a16="http://schemas.microsoft.com/office/drawing/2014/main" id="{E462C51E-1902-4E27-A25A-6B3B8509589C}"/>
               </a:ext>
             </a:extLst>
           </p:cNvPr>
@@ -7725,7 +7653,7 @@
           <p:cNvPr id="160" name="Conector recto de flecha 159">
             <a:extLst>
               <a:ext uri="{FF2B5EF4-FFF2-40B4-BE49-F238E27FC236}">
-                <a16:creationId xmlns:a16="http://schemas.microsoft.com/office/drawing/2014/main" xmlns="" id="{2EEE090E-2E31-4BF1-976D-E3FD7FD7BB67}"/>
+                <a16:creationId xmlns="" xmlns:a16="http://schemas.microsoft.com/office/drawing/2014/main" id="{2EEE090E-2E31-4BF1-976D-E3FD7FD7BB67}"/>
               </a:ext>
             </a:extLst>
           </p:cNvPr>
@@ -7767,7 +7695,7 @@
           <p:cNvPr id="162" name="Conector recto 161">
             <a:extLst>
               <a:ext uri="{FF2B5EF4-FFF2-40B4-BE49-F238E27FC236}">
-                <a16:creationId xmlns:a16="http://schemas.microsoft.com/office/drawing/2014/main" xmlns="" id="{72A94A24-0428-400E-8F53-1E6C7C368BFC}"/>
+                <a16:creationId xmlns="" xmlns:a16="http://schemas.microsoft.com/office/drawing/2014/main" id="{72A94A24-0428-400E-8F53-1E6C7C368BFC}"/>
               </a:ext>
             </a:extLst>
           </p:cNvPr>
@@ -7810,7 +7738,7 @@
           <p:cNvPr id="163" name="CuadroTexto 162">
             <a:extLst>
               <a:ext uri="{FF2B5EF4-FFF2-40B4-BE49-F238E27FC236}">
-                <a16:creationId xmlns:a16="http://schemas.microsoft.com/office/drawing/2014/main" xmlns="" id="{A447CBF8-295A-4EB8-BE3C-DB2C86627377}"/>
+                <a16:creationId xmlns="" xmlns:a16="http://schemas.microsoft.com/office/drawing/2014/main" id="{A447CBF8-295A-4EB8-BE3C-DB2C86627377}"/>
               </a:ext>
             </a:extLst>
           </p:cNvPr>
@@ -7846,7 +7774,7 @@
           <p:cNvPr id="164" name="CuadroTexto 163">
             <a:extLst>
               <a:ext uri="{FF2B5EF4-FFF2-40B4-BE49-F238E27FC236}">
-                <a16:creationId xmlns:a16="http://schemas.microsoft.com/office/drawing/2014/main" xmlns="" id="{17A3A88F-AEAD-46DE-A3B5-BD5151511C03}"/>
+                <a16:creationId xmlns="" xmlns:a16="http://schemas.microsoft.com/office/drawing/2014/main" id="{17A3A88F-AEAD-46DE-A3B5-BD5151511C03}"/>
               </a:ext>
             </a:extLst>
           </p:cNvPr>
@@ -7891,7 +7819,7 @@
           <p:cNvPr id="165" name="CuadroTexto 164">
             <a:extLst>
               <a:ext uri="{FF2B5EF4-FFF2-40B4-BE49-F238E27FC236}">
-                <a16:creationId xmlns:a16="http://schemas.microsoft.com/office/drawing/2014/main" xmlns="" id="{E3051239-9AF1-42B5-B808-D697445F69F3}"/>
+                <a16:creationId xmlns="" xmlns:a16="http://schemas.microsoft.com/office/drawing/2014/main" id="{E3051239-9AF1-42B5-B808-D697445F69F3}"/>
               </a:ext>
             </a:extLst>
           </p:cNvPr>
@@ -7934,7 +7862,7 @@
           <p:cNvPr id="166" name="CuadroTexto 165">
             <a:extLst>
               <a:ext uri="{FF2B5EF4-FFF2-40B4-BE49-F238E27FC236}">
-                <a16:creationId xmlns:a16="http://schemas.microsoft.com/office/drawing/2014/main" xmlns="" id="{630684B5-FECF-4D6E-9125-3E66582C6529}"/>
+                <a16:creationId xmlns="" xmlns:a16="http://schemas.microsoft.com/office/drawing/2014/main" id="{630684B5-FECF-4D6E-9125-3E66582C6529}"/>
               </a:ext>
             </a:extLst>
           </p:cNvPr>
@@ -7976,7 +7904,7 @@
           <p:cNvPr id="169" name="CuadroTexto 168">
             <a:extLst>
               <a:ext uri="{FF2B5EF4-FFF2-40B4-BE49-F238E27FC236}">
-                <a16:creationId xmlns:a16="http://schemas.microsoft.com/office/drawing/2014/main" xmlns="" id="{0C17D9FD-88A0-4C7D-974A-8AA5C997A50B}"/>
+                <a16:creationId xmlns="" xmlns:a16="http://schemas.microsoft.com/office/drawing/2014/main" id="{0C17D9FD-88A0-4C7D-974A-8AA5C997A50B}"/>
               </a:ext>
             </a:extLst>
           </p:cNvPr>
@@ -8012,7 +7940,7 @@
           <p:cNvPr id="170" name="CuadroTexto 169">
             <a:extLst>
               <a:ext uri="{FF2B5EF4-FFF2-40B4-BE49-F238E27FC236}">
-                <a16:creationId xmlns:a16="http://schemas.microsoft.com/office/drawing/2014/main" xmlns="" id="{439BC4A8-140F-4E0A-AAC6-205EFE14EB9D}"/>
+                <a16:creationId xmlns="" xmlns:a16="http://schemas.microsoft.com/office/drawing/2014/main" id="{439BC4A8-140F-4E0A-AAC6-205EFE14EB9D}"/>
               </a:ext>
             </a:extLst>
           </p:cNvPr>
@@ -8042,7 +7970,23 @@
                   <a:srgbClr val="0070C0"/>
                 </a:solidFill>
               </a:rPr>
-              <a:t>Días transcurridos en el año</a:t>
+              <a:t>Días </a:t>
+            </a:r>
+            <a:r>
+              <a:rPr lang="es-ES" smtClean="0">
+                <a:solidFill>
+                  <a:srgbClr val="0070C0"/>
+                </a:solidFill>
+              </a:rPr>
+              <a:t>pasados del </a:t>
+            </a:r>
+            <a:r>
+              <a:rPr lang="es-ES" smtClean="0">
+                <a:solidFill>
+                  <a:srgbClr val="0070C0"/>
+                </a:solidFill>
+              </a:rPr>
+              <a:t>año</a:t>
             </a:r>
             <a:endParaRPr lang="es-ES">
               <a:solidFill>
@@ -8055,7 +7999,7 @@
     </p:spTree>
     <p:extLst>
       <p:ext uri="{BB962C8B-B14F-4D97-AF65-F5344CB8AC3E}">
-        <p14:creationId xmlns:p14="http://schemas.microsoft.com/office/powerpoint/2010/main" xmlns="" val="2376407795"/>
+        <p14:creationId xmlns="" xmlns:p14="http://schemas.microsoft.com/office/powerpoint/2010/main" val="2376407795"/>
       </p:ext>
     </p:extLst>
   </p:cSld>
@@ -8087,7 +8031,7 @@
           <p:cNvPr id="27" name="36 Conector">
             <a:extLst>
               <a:ext uri="{FF2B5EF4-FFF2-40B4-BE49-F238E27FC236}">
-                <a16:creationId xmlns="" xmlns:a16="http://schemas.microsoft.com/office/drawing/2014/main" id="{11CC1446-9291-450E-9B53-2A15F8DBEF08}"/>
+                <a16:creationId xmlns:a16="http://schemas.microsoft.com/office/drawing/2014/main" xmlns="" id="{11CC1446-9291-450E-9B53-2A15F8DBEF08}"/>
               </a:ext>
             </a:extLst>
           </p:cNvPr>
@@ -8139,7 +8083,7 @@
           <p:cNvPr id="30" name="16 Decisión">
             <a:extLst>
               <a:ext uri="{FF2B5EF4-FFF2-40B4-BE49-F238E27FC236}">
-                <a16:creationId xmlns="" xmlns:a16="http://schemas.microsoft.com/office/drawing/2014/main" id="{FD2C65EB-311B-4CBC-A411-E81D45AF1666}"/>
+                <a16:creationId xmlns:a16="http://schemas.microsoft.com/office/drawing/2014/main" xmlns="" id="{FD2C65EB-311B-4CBC-A411-E81D45AF1666}"/>
               </a:ext>
             </a:extLst>
           </p:cNvPr>
@@ -8197,7 +8141,7 @@
           <p:cNvPr id="46" name="30 CuadroTexto">
             <a:extLst>
               <a:ext uri="{FF2B5EF4-FFF2-40B4-BE49-F238E27FC236}">
-                <a16:creationId xmlns="" xmlns:a16="http://schemas.microsoft.com/office/drawing/2014/main" id="{4C0646B8-2B7E-4579-AEF8-C28BED180070}"/>
+                <a16:creationId xmlns:a16="http://schemas.microsoft.com/office/drawing/2014/main" xmlns="" id="{4C0646B8-2B7E-4579-AEF8-C28BED180070}"/>
               </a:ext>
             </a:extLst>
           </p:cNvPr>
@@ -8234,7 +8178,7 @@
           <p:cNvPr id="2" name="19 Grupo">
             <a:extLst>
               <a:ext uri="{FF2B5EF4-FFF2-40B4-BE49-F238E27FC236}">
-                <a16:creationId xmlns="" xmlns:a16="http://schemas.microsoft.com/office/drawing/2014/main" id="{72728B6F-9E0E-4855-9B6A-D98006B948B6}"/>
+                <a16:creationId xmlns:a16="http://schemas.microsoft.com/office/drawing/2014/main" xmlns="" id="{72728B6F-9E0E-4855-9B6A-D98006B948B6}"/>
               </a:ext>
             </a:extLst>
           </p:cNvPr>
@@ -8254,7 +8198,7 @@
             <p:cNvPr id="53" name="42 Conector">
               <a:extLst>
                 <a:ext uri="{FF2B5EF4-FFF2-40B4-BE49-F238E27FC236}">
-                  <a16:creationId xmlns="" xmlns:a16="http://schemas.microsoft.com/office/drawing/2014/main" id="{373A1267-C09A-4344-AB04-4D134201A6BE}"/>
+                  <a16:creationId xmlns:a16="http://schemas.microsoft.com/office/drawing/2014/main" xmlns="" id="{373A1267-C09A-4344-AB04-4D134201A6BE}"/>
                 </a:ext>
               </a:extLst>
             </p:cNvPr>
@@ -8311,7 +8255,7 @@
             <p:cNvPr id="54" name="43 Conector">
               <a:extLst>
                 <a:ext uri="{FF2B5EF4-FFF2-40B4-BE49-F238E27FC236}">
-                  <a16:creationId xmlns="" xmlns:a16="http://schemas.microsoft.com/office/drawing/2014/main" id="{63920072-F0D4-437F-AAD7-67A75B8A9057}"/>
+                  <a16:creationId xmlns:a16="http://schemas.microsoft.com/office/drawing/2014/main" xmlns="" id="{63920072-F0D4-437F-AAD7-67A75B8A9057}"/>
                 </a:ext>
               </a:extLst>
             </p:cNvPr>
@@ -8366,7 +8310,7 @@
           <p:cNvPr id="47" name="20 Rectángulo redondeado">
             <a:extLst>
               <a:ext uri="{FF2B5EF4-FFF2-40B4-BE49-F238E27FC236}">
-                <a16:creationId xmlns="" xmlns:a16="http://schemas.microsoft.com/office/drawing/2014/main" id="{7938FCD4-2AEB-4A9C-BFA6-FF58F425573D}"/>
+                <a16:creationId xmlns:a16="http://schemas.microsoft.com/office/drawing/2014/main" xmlns="" id="{7938FCD4-2AEB-4A9C-BFA6-FF58F425573D}"/>
               </a:ext>
             </a:extLst>
           </p:cNvPr>
@@ -8416,11 +8360,7 @@
             <a:pPr algn="ctr"/>
             <a:r>
               <a:rPr lang="es-ES" sz="1200" smtClean="0"/>
-              <a:t>ContadorFrames +=  </a:t>
-            </a:r>
-            <a:r>
-              <a:rPr lang="es-ES" sz="1200" smtClean="0"/>
-              <a:t>1</a:t>
+              <a:t>ContadorFrames +=  1</a:t>
             </a:r>
             <a:endParaRPr lang="es-ES" sz="1200"/>
           </a:p>
@@ -8431,7 +8371,7 @@
           <p:cNvPr id="52" name="20 Rectángulo redondeado">
             <a:extLst>
               <a:ext uri="{FF2B5EF4-FFF2-40B4-BE49-F238E27FC236}">
-                <a16:creationId xmlns="" xmlns:a16="http://schemas.microsoft.com/office/drawing/2014/main" id="{7938FCD4-2AEB-4A9C-BFA6-FF58F425573D}"/>
+                <a16:creationId xmlns:a16="http://schemas.microsoft.com/office/drawing/2014/main" xmlns="" id="{7938FCD4-2AEB-4A9C-BFA6-FF58F425573D}"/>
               </a:ext>
             </a:extLst>
           </p:cNvPr>
@@ -8485,11 +8425,7 @@
             </a:r>
             <a:r>
               <a:rPr lang="es-ES" sz="1200" smtClean="0"/>
-              <a:t> +=  </a:t>
-            </a:r>
-            <a:r>
-              <a:rPr lang="es-ES" sz="1200" smtClean="0"/>
-              <a:t>1</a:t>
+              <a:t> +=  1</a:t>
             </a:r>
             <a:endParaRPr lang="es-ES" sz="1200"/>
           </a:p>
@@ -8500,7 +8436,7 @@
           <p:cNvPr id="83" name="16 Decisión">
             <a:extLst>
               <a:ext uri="{FF2B5EF4-FFF2-40B4-BE49-F238E27FC236}">
-                <a16:creationId xmlns="" xmlns:a16="http://schemas.microsoft.com/office/drawing/2014/main" id="{FD2C65EB-311B-4CBC-A411-E81D45AF1666}"/>
+                <a16:creationId xmlns:a16="http://schemas.microsoft.com/office/drawing/2014/main" xmlns="" id="{FD2C65EB-311B-4CBC-A411-E81D45AF1666}"/>
               </a:ext>
             </a:extLst>
           </p:cNvPr>
@@ -8558,7 +8494,7 @@
           <p:cNvPr id="86" name="30 CuadroTexto">
             <a:extLst>
               <a:ext uri="{FF2B5EF4-FFF2-40B4-BE49-F238E27FC236}">
-                <a16:creationId xmlns="" xmlns:a16="http://schemas.microsoft.com/office/drawing/2014/main" id="{4C0646B8-2B7E-4579-AEF8-C28BED180070}"/>
+                <a16:creationId xmlns:a16="http://schemas.microsoft.com/office/drawing/2014/main" xmlns="" id="{4C0646B8-2B7E-4579-AEF8-C28BED180070}"/>
               </a:ext>
             </a:extLst>
           </p:cNvPr>
@@ -8584,15 +8520,7 @@
             <a:pPr algn="r"/>
             <a:r>
               <a:rPr lang="es-ES" sz="1200" smtClean="0"/>
-              <a:t>SegundosPasadosDía </a:t>
-            </a:r>
-            <a:r>
-              <a:rPr lang="es-ES" sz="1200" smtClean="0"/>
-              <a:t>&gt;= </a:t>
-            </a:r>
-            <a:r>
-              <a:rPr lang="es-ES" sz="1200" smtClean="0"/>
-              <a:t>86400 ?</a:t>
+              <a:t>SegundosPasadosDía &gt;= 86400 ?</a:t>
             </a:r>
             <a:endParaRPr lang="es-ES" sz="1200"/>
           </a:p>
@@ -8603,7 +8531,7 @@
           <p:cNvPr id="103" name="30 CuadroTexto">
             <a:extLst>
               <a:ext uri="{FF2B5EF4-FFF2-40B4-BE49-F238E27FC236}">
-                <a16:creationId xmlns="" xmlns:a16="http://schemas.microsoft.com/office/drawing/2014/main" id="{6FAC7A1A-4EE0-4C6E-8C57-737F69FEEA58}"/>
+                <a16:creationId xmlns:a16="http://schemas.microsoft.com/office/drawing/2014/main" xmlns="" id="{6FAC7A1A-4EE0-4C6E-8C57-737F69FEEA58}"/>
               </a:ext>
             </a:extLst>
           </p:cNvPr>
@@ -8677,7 +8605,7 @@
           <p:cNvPr id="76" name="20 Rectángulo redondeado">
             <a:extLst>
               <a:ext uri="{FF2B5EF4-FFF2-40B4-BE49-F238E27FC236}">
-                <a16:creationId xmlns="" xmlns:a16="http://schemas.microsoft.com/office/drawing/2014/main" id="{7938FCD4-2AEB-4A9C-BFA6-FF58F425573D}"/>
+                <a16:creationId xmlns:a16="http://schemas.microsoft.com/office/drawing/2014/main" xmlns="" id="{7938FCD4-2AEB-4A9C-BFA6-FF58F425573D}"/>
               </a:ext>
             </a:extLst>
           </p:cNvPr>
@@ -8734,11 +8662,7 @@
             <a:pPr algn="ctr"/>
             <a:r>
               <a:rPr lang="es-ES" sz="1200" smtClean="0"/>
-              <a:t>+=  </a:t>
-            </a:r>
-            <a:r>
-              <a:rPr lang="es-ES" sz="1200" smtClean="0"/>
-              <a:t>1</a:t>
+              <a:t>+=  1</a:t>
             </a:r>
             <a:endParaRPr lang="es-ES" sz="1200"/>
           </a:p>
@@ -8749,7 +8673,7 @@
           <p:cNvPr id="77" name="20 Rectángulo redondeado">
             <a:extLst>
               <a:ext uri="{FF2B5EF4-FFF2-40B4-BE49-F238E27FC236}">
-                <a16:creationId xmlns="" xmlns:a16="http://schemas.microsoft.com/office/drawing/2014/main" id="{7938FCD4-2AEB-4A9C-BFA6-FF58F425573D}"/>
+                <a16:creationId xmlns:a16="http://schemas.microsoft.com/office/drawing/2014/main" xmlns="" id="{7938FCD4-2AEB-4A9C-BFA6-FF58F425573D}"/>
               </a:ext>
             </a:extLst>
           </p:cNvPr>
@@ -8803,11 +8727,7 @@
             </a:r>
             <a:r>
               <a:rPr lang="es-ES" sz="1200" smtClean="0"/>
-              <a:t> =  </a:t>
-            </a:r>
-            <a:r>
-              <a:rPr lang="es-ES" sz="1200" smtClean="0"/>
-              <a:t>0</a:t>
+              <a:t> =  0</a:t>
             </a:r>
             <a:endParaRPr lang="es-ES" sz="1200"/>
           </a:p>
@@ -8818,7 +8738,7 @@
           <p:cNvPr id="3" name="19 Grupo">
             <a:extLst>
               <a:ext uri="{FF2B5EF4-FFF2-40B4-BE49-F238E27FC236}">
-                <a16:creationId xmlns="" xmlns:a16="http://schemas.microsoft.com/office/drawing/2014/main" id="{72728B6F-9E0E-4855-9B6A-D98006B948B6}"/>
+                <a16:creationId xmlns:a16="http://schemas.microsoft.com/office/drawing/2014/main" xmlns="" id="{72728B6F-9E0E-4855-9B6A-D98006B948B6}"/>
               </a:ext>
             </a:extLst>
           </p:cNvPr>
@@ -8838,7 +8758,7 @@
             <p:cNvPr id="80" name="42 Conector">
               <a:extLst>
                 <a:ext uri="{FF2B5EF4-FFF2-40B4-BE49-F238E27FC236}">
-                  <a16:creationId xmlns="" xmlns:a16="http://schemas.microsoft.com/office/drawing/2014/main" id="{373A1267-C09A-4344-AB04-4D134201A6BE}"/>
+                  <a16:creationId xmlns:a16="http://schemas.microsoft.com/office/drawing/2014/main" xmlns="" id="{373A1267-C09A-4344-AB04-4D134201A6BE}"/>
                 </a:ext>
               </a:extLst>
             </p:cNvPr>
@@ -8895,7 +8815,7 @@
             <p:cNvPr id="82" name="43 Conector">
               <a:extLst>
                 <a:ext uri="{FF2B5EF4-FFF2-40B4-BE49-F238E27FC236}">
-                  <a16:creationId xmlns="" xmlns:a16="http://schemas.microsoft.com/office/drawing/2014/main" id="{63920072-F0D4-437F-AAD7-67A75B8A9057}"/>
+                  <a16:creationId xmlns:a16="http://schemas.microsoft.com/office/drawing/2014/main" xmlns="" id="{63920072-F0D4-437F-AAD7-67A75B8A9057}"/>
                 </a:ext>
               </a:extLst>
             </p:cNvPr>
@@ -8950,7 +8870,7 @@
           <p:cNvPr id="87" name="16 Decisión">
             <a:extLst>
               <a:ext uri="{FF2B5EF4-FFF2-40B4-BE49-F238E27FC236}">
-                <a16:creationId xmlns="" xmlns:a16="http://schemas.microsoft.com/office/drawing/2014/main" id="{FD2C65EB-311B-4CBC-A411-E81D45AF1666}"/>
+                <a16:creationId xmlns:a16="http://schemas.microsoft.com/office/drawing/2014/main" xmlns="" id="{FD2C65EB-311B-4CBC-A411-E81D45AF1666}"/>
               </a:ext>
             </a:extLst>
           </p:cNvPr>
@@ -9008,7 +8928,7 @@
           <p:cNvPr id="4" name="19 Grupo">
             <a:extLst>
               <a:ext uri="{FF2B5EF4-FFF2-40B4-BE49-F238E27FC236}">
-                <a16:creationId xmlns="" xmlns:a16="http://schemas.microsoft.com/office/drawing/2014/main" id="{72728B6F-9E0E-4855-9B6A-D98006B948B6}"/>
+                <a16:creationId xmlns:a16="http://schemas.microsoft.com/office/drawing/2014/main" xmlns="" id="{72728B6F-9E0E-4855-9B6A-D98006B948B6}"/>
               </a:ext>
             </a:extLst>
           </p:cNvPr>
@@ -9028,7 +8948,7 @@
             <p:cNvPr id="108" name="42 Conector">
               <a:extLst>
                 <a:ext uri="{FF2B5EF4-FFF2-40B4-BE49-F238E27FC236}">
-                  <a16:creationId xmlns="" xmlns:a16="http://schemas.microsoft.com/office/drawing/2014/main" id="{373A1267-C09A-4344-AB04-4D134201A6BE}"/>
+                  <a16:creationId xmlns:a16="http://schemas.microsoft.com/office/drawing/2014/main" xmlns="" id="{373A1267-C09A-4344-AB04-4D134201A6BE}"/>
                 </a:ext>
               </a:extLst>
             </p:cNvPr>
@@ -9085,7 +9005,7 @@
             <p:cNvPr id="112" name="43 Conector">
               <a:extLst>
                 <a:ext uri="{FF2B5EF4-FFF2-40B4-BE49-F238E27FC236}">
-                  <a16:creationId xmlns="" xmlns:a16="http://schemas.microsoft.com/office/drawing/2014/main" id="{63920072-F0D4-437F-AAD7-67A75B8A9057}"/>
+                  <a16:creationId xmlns:a16="http://schemas.microsoft.com/office/drawing/2014/main" xmlns="" id="{63920072-F0D4-437F-AAD7-67A75B8A9057}"/>
                 </a:ext>
               </a:extLst>
             </p:cNvPr>
@@ -9140,7 +9060,7 @@
           <p:cNvPr id="113" name="30 CuadroTexto">
             <a:extLst>
               <a:ext uri="{FF2B5EF4-FFF2-40B4-BE49-F238E27FC236}">
-                <a16:creationId xmlns="" xmlns:a16="http://schemas.microsoft.com/office/drawing/2014/main" id="{4C0646B8-2B7E-4579-AEF8-C28BED180070}"/>
+                <a16:creationId xmlns:a16="http://schemas.microsoft.com/office/drawing/2014/main" xmlns="" id="{4C0646B8-2B7E-4579-AEF8-C28BED180070}"/>
               </a:ext>
             </a:extLst>
           </p:cNvPr>
@@ -9166,15 +9086,7 @@
             <a:pPr algn="r"/>
             <a:r>
               <a:rPr lang="es-ES" sz="1200" smtClean="0"/>
-              <a:t>DíasPasadosAño </a:t>
-            </a:r>
-            <a:r>
-              <a:rPr lang="es-ES" sz="1200" smtClean="0"/>
-              <a:t>&gt;= </a:t>
-            </a:r>
-            <a:r>
-              <a:rPr lang="es-ES" sz="1200" smtClean="0"/>
-              <a:t>DíasAñoActual ?</a:t>
+              <a:t>DíasPasadosAño &gt;= DíasAñoActual ?</a:t>
             </a:r>
             <a:endParaRPr lang="es-ES" sz="1200"/>
           </a:p>
@@ -9185,7 +9097,7 @@
           <p:cNvPr id="114" name="20 Rectángulo redondeado">
             <a:extLst>
               <a:ext uri="{FF2B5EF4-FFF2-40B4-BE49-F238E27FC236}">
-                <a16:creationId xmlns="" xmlns:a16="http://schemas.microsoft.com/office/drawing/2014/main" id="{7938FCD4-2AEB-4A9C-BFA6-FF58F425573D}"/>
+                <a16:creationId xmlns:a16="http://schemas.microsoft.com/office/drawing/2014/main" xmlns="" id="{7938FCD4-2AEB-4A9C-BFA6-FF58F425573D}"/>
               </a:ext>
             </a:extLst>
           </p:cNvPr>
@@ -9242,11 +9154,7 @@
             <a:pPr algn="ctr"/>
             <a:r>
               <a:rPr lang="es-ES" sz="1200" smtClean="0"/>
-              <a:t>=  </a:t>
-            </a:r>
-            <a:r>
-              <a:rPr lang="es-ES" sz="1200" smtClean="0"/>
-              <a:t>0</a:t>
+              <a:t>=  0</a:t>
             </a:r>
             <a:endParaRPr lang="es-ES" sz="1200"/>
           </a:p>
@@ -9257,7 +9165,7 @@
           <p:cNvPr id="115" name="20 Rectángulo redondeado">
             <a:extLst>
               <a:ext uri="{FF2B5EF4-FFF2-40B4-BE49-F238E27FC236}">
-                <a16:creationId xmlns="" xmlns:a16="http://schemas.microsoft.com/office/drawing/2014/main" id="{7938FCD4-2AEB-4A9C-BFA6-FF58F425573D}"/>
+                <a16:creationId xmlns:a16="http://schemas.microsoft.com/office/drawing/2014/main" xmlns="" id="{7938FCD4-2AEB-4A9C-BFA6-FF58F425573D}"/>
               </a:ext>
             </a:extLst>
           </p:cNvPr>
@@ -9309,7 +9217,6 @@
               <a:rPr lang="es-ES" sz="1200" smtClean="0"/>
               <a:t>AñoActual</a:t>
             </a:r>
-            <a:endParaRPr lang="es-ES" sz="1200" smtClean="0"/>
           </a:p>
           <a:p>
             <a:pPr algn="ctr"/>
@@ -9326,7 +9233,7 @@
           <p:cNvPr id="5" name="19 Grupo">
             <a:extLst>
               <a:ext uri="{FF2B5EF4-FFF2-40B4-BE49-F238E27FC236}">
-                <a16:creationId xmlns="" xmlns:a16="http://schemas.microsoft.com/office/drawing/2014/main" id="{72728B6F-9E0E-4855-9B6A-D98006B948B6}"/>
+                <a16:creationId xmlns:a16="http://schemas.microsoft.com/office/drawing/2014/main" xmlns="" id="{72728B6F-9E0E-4855-9B6A-D98006B948B6}"/>
               </a:ext>
             </a:extLst>
           </p:cNvPr>
@@ -9346,7 +9253,7 @@
             <p:cNvPr id="57" name="42 Conector">
               <a:extLst>
                 <a:ext uri="{FF2B5EF4-FFF2-40B4-BE49-F238E27FC236}">
-                  <a16:creationId xmlns="" xmlns:a16="http://schemas.microsoft.com/office/drawing/2014/main" id="{373A1267-C09A-4344-AB04-4D134201A6BE}"/>
+                  <a16:creationId xmlns:a16="http://schemas.microsoft.com/office/drawing/2014/main" xmlns="" id="{373A1267-C09A-4344-AB04-4D134201A6BE}"/>
                 </a:ext>
               </a:extLst>
             </p:cNvPr>
@@ -9403,7 +9310,7 @@
             <p:cNvPr id="58" name="43 Conector">
               <a:extLst>
                 <a:ext uri="{FF2B5EF4-FFF2-40B4-BE49-F238E27FC236}">
-                  <a16:creationId xmlns="" xmlns:a16="http://schemas.microsoft.com/office/drawing/2014/main" id="{63920072-F0D4-437F-AAD7-67A75B8A9057}"/>
+                  <a16:creationId xmlns:a16="http://schemas.microsoft.com/office/drawing/2014/main" xmlns="" id="{63920072-F0D4-437F-AAD7-67A75B8A9057}"/>
                 </a:ext>
               </a:extLst>
             </p:cNvPr>
@@ -9496,7 +9403,7 @@
           <p:cNvPr id="72" name="29 Conector recto de flecha">
             <a:extLst>
               <a:ext uri="{FF2B5EF4-FFF2-40B4-BE49-F238E27FC236}">
-                <a16:creationId xmlns="" xmlns:a16="http://schemas.microsoft.com/office/drawing/2014/main" id="{E051F635-5666-428C-91BF-EB77E088BD3E}"/>
+                <a16:creationId xmlns:a16="http://schemas.microsoft.com/office/drawing/2014/main" xmlns="" id="{E051F635-5666-428C-91BF-EB77E088BD3E}"/>
               </a:ext>
             </a:extLst>
           </p:cNvPr>
@@ -9539,7 +9446,7 @@
           <p:cNvPr id="73" name="30 CuadroTexto">
             <a:extLst>
               <a:ext uri="{FF2B5EF4-FFF2-40B4-BE49-F238E27FC236}">
-                <a16:creationId xmlns="" xmlns:a16="http://schemas.microsoft.com/office/drawing/2014/main" id="{5B67840B-D3E7-4642-A33C-52505043E768}"/>
+                <a16:creationId xmlns:a16="http://schemas.microsoft.com/office/drawing/2014/main" xmlns="" id="{5B67840B-D3E7-4642-A33C-52505043E768}"/>
               </a:ext>
             </a:extLst>
           </p:cNvPr>
@@ -9574,7 +9481,7 @@
           <p:cNvPr id="74" name="29 Conector recto de flecha">
             <a:extLst>
               <a:ext uri="{FF2B5EF4-FFF2-40B4-BE49-F238E27FC236}">
-                <a16:creationId xmlns="" xmlns:a16="http://schemas.microsoft.com/office/drawing/2014/main" id="{E051F635-5666-428C-91BF-EB77E088BD3E}"/>
+                <a16:creationId xmlns:a16="http://schemas.microsoft.com/office/drawing/2014/main" xmlns="" id="{E051F635-5666-428C-91BF-EB77E088BD3E}"/>
               </a:ext>
             </a:extLst>
           </p:cNvPr>
@@ -9617,7 +9524,7 @@
           <p:cNvPr id="75" name="30 CuadroTexto">
             <a:extLst>
               <a:ext uri="{FF2B5EF4-FFF2-40B4-BE49-F238E27FC236}">
-                <a16:creationId xmlns="" xmlns:a16="http://schemas.microsoft.com/office/drawing/2014/main" id="{5B67840B-D3E7-4642-A33C-52505043E768}"/>
+                <a16:creationId xmlns:a16="http://schemas.microsoft.com/office/drawing/2014/main" xmlns="" id="{5B67840B-D3E7-4642-A33C-52505043E768}"/>
               </a:ext>
             </a:extLst>
           </p:cNvPr>
@@ -9652,7 +9559,7 @@
           <p:cNvPr id="78" name="29 Conector recto de flecha">
             <a:extLst>
               <a:ext uri="{FF2B5EF4-FFF2-40B4-BE49-F238E27FC236}">
-                <a16:creationId xmlns="" xmlns:a16="http://schemas.microsoft.com/office/drawing/2014/main" id="{E051F635-5666-428C-91BF-EB77E088BD3E}"/>
+                <a16:creationId xmlns:a16="http://schemas.microsoft.com/office/drawing/2014/main" xmlns="" id="{E051F635-5666-428C-91BF-EB77E088BD3E}"/>
               </a:ext>
             </a:extLst>
           </p:cNvPr>
@@ -9695,7 +9602,7 @@
           <p:cNvPr id="79" name="30 CuadroTexto">
             <a:extLst>
               <a:ext uri="{FF2B5EF4-FFF2-40B4-BE49-F238E27FC236}">
-                <a16:creationId xmlns="" xmlns:a16="http://schemas.microsoft.com/office/drawing/2014/main" id="{5B67840B-D3E7-4642-A33C-52505043E768}"/>
+                <a16:creationId xmlns:a16="http://schemas.microsoft.com/office/drawing/2014/main" xmlns="" id="{5B67840B-D3E7-4642-A33C-52505043E768}"/>
               </a:ext>
             </a:extLst>
           </p:cNvPr>
@@ -9768,7 +9675,7 @@
           <p:cNvPr id="100" name="29 Conector recto de flecha">
             <a:extLst>
               <a:ext uri="{FF2B5EF4-FFF2-40B4-BE49-F238E27FC236}">
-                <a16:creationId xmlns="" xmlns:a16="http://schemas.microsoft.com/office/drawing/2014/main" id="{E051F635-5666-428C-91BF-EB77E088BD3E}"/>
+                <a16:creationId xmlns:a16="http://schemas.microsoft.com/office/drawing/2014/main" xmlns="" id="{E051F635-5666-428C-91BF-EB77E088BD3E}"/>
               </a:ext>
             </a:extLst>
           </p:cNvPr>
@@ -9811,7 +9718,7 @@
           <p:cNvPr id="105" name="29 Conector recto de flecha">
             <a:extLst>
               <a:ext uri="{FF2B5EF4-FFF2-40B4-BE49-F238E27FC236}">
-                <a16:creationId xmlns="" xmlns:a16="http://schemas.microsoft.com/office/drawing/2014/main" id="{E051F635-5666-428C-91BF-EB77E088BD3E}"/>
+                <a16:creationId xmlns:a16="http://schemas.microsoft.com/office/drawing/2014/main" xmlns="" id="{E051F635-5666-428C-91BF-EB77E088BD3E}"/>
               </a:ext>
             </a:extLst>
           </p:cNvPr>
@@ -9854,7 +9761,7 @@
           <p:cNvPr id="106" name="29 Conector recto de flecha">
             <a:extLst>
               <a:ext uri="{FF2B5EF4-FFF2-40B4-BE49-F238E27FC236}">
-                <a16:creationId xmlns="" xmlns:a16="http://schemas.microsoft.com/office/drawing/2014/main" id="{E051F635-5666-428C-91BF-EB77E088BD3E}"/>
+                <a16:creationId xmlns:a16="http://schemas.microsoft.com/office/drawing/2014/main" xmlns="" id="{E051F635-5666-428C-91BF-EB77E088BD3E}"/>
               </a:ext>
             </a:extLst>
           </p:cNvPr>
@@ -9897,7 +9804,7 @@
           <p:cNvPr id="109" name="29 Conector recto de flecha">
             <a:extLst>
               <a:ext uri="{FF2B5EF4-FFF2-40B4-BE49-F238E27FC236}">
-                <a16:creationId xmlns="" xmlns:a16="http://schemas.microsoft.com/office/drawing/2014/main" id="{E051F635-5666-428C-91BF-EB77E088BD3E}"/>
+                <a16:creationId xmlns:a16="http://schemas.microsoft.com/office/drawing/2014/main" xmlns="" id="{E051F635-5666-428C-91BF-EB77E088BD3E}"/>
               </a:ext>
             </a:extLst>
           </p:cNvPr>
@@ -9940,7 +9847,7 @@
           <p:cNvPr id="117" name="29 Conector recto de flecha">
             <a:extLst>
               <a:ext uri="{FF2B5EF4-FFF2-40B4-BE49-F238E27FC236}">
-                <a16:creationId xmlns="" xmlns:a16="http://schemas.microsoft.com/office/drawing/2014/main" id="{E051F635-5666-428C-91BF-EB77E088BD3E}"/>
+                <a16:creationId xmlns:a16="http://schemas.microsoft.com/office/drawing/2014/main" xmlns="" id="{E051F635-5666-428C-91BF-EB77E088BD3E}"/>
               </a:ext>
             </a:extLst>
           </p:cNvPr>
@@ -9983,7 +9890,7 @@
           <p:cNvPr id="131" name="30 CuadroTexto">
             <a:extLst>
               <a:ext uri="{FF2B5EF4-FFF2-40B4-BE49-F238E27FC236}">
-                <a16:creationId xmlns="" xmlns:a16="http://schemas.microsoft.com/office/drawing/2014/main" id="{6FAC7A1A-4EE0-4C6E-8C57-737F69FEEA58}"/>
+                <a16:creationId xmlns:a16="http://schemas.microsoft.com/office/drawing/2014/main" xmlns="" id="{6FAC7A1A-4EE0-4C6E-8C57-737F69FEEA58}"/>
               </a:ext>
             </a:extLst>
           </p:cNvPr>
@@ -10019,7 +9926,7 @@
           <p:cNvPr id="132" name="30 CuadroTexto">
             <a:extLst>
               <a:ext uri="{FF2B5EF4-FFF2-40B4-BE49-F238E27FC236}">
-                <a16:creationId xmlns="" xmlns:a16="http://schemas.microsoft.com/office/drawing/2014/main" id="{6FAC7A1A-4EE0-4C6E-8C57-737F69FEEA58}"/>
+                <a16:creationId xmlns:a16="http://schemas.microsoft.com/office/drawing/2014/main" xmlns="" id="{6FAC7A1A-4EE0-4C6E-8C57-737F69FEEA58}"/>
               </a:ext>
             </a:extLst>
           </p:cNvPr>
@@ -10046,7 +9953,6 @@
               <a:rPr lang="es-ES" sz="1100" smtClean="0"/>
               <a:t>Sí</a:t>
             </a:r>
-            <a:endParaRPr lang="es-ES" sz="1100" smtClean="0"/>
           </a:p>
         </p:txBody>
       </p:sp>
@@ -10080,7 +9986,7 @@
           <p:cNvPr id="93" name="20 Rectángulo redondeado">
             <a:extLst>
               <a:ext uri="{FF2B5EF4-FFF2-40B4-BE49-F238E27FC236}">
-                <a16:creationId xmlns="" xmlns:a16="http://schemas.microsoft.com/office/drawing/2014/main" id="{7938FCD4-2AEB-4A9C-BFA6-FF58F425573D}"/>
+                <a16:creationId xmlns:a16="http://schemas.microsoft.com/office/drawing/2014/main" xmlns="" id="{7938FCD4-2AEB-4A9C-BFA6-FF58F425573D}"/>
               </a:ext>
             </a:extLst>
           </p:cNvPr>
@@ -10130,22 +10036,14 @@
             <a:pPr algn="ctr"/>
             <a:r>
               <a:rPr lang="es-ES" sz="1200" smtClean="0"/>
-              <a:t>Valor64  </a:t>
-            </a:r>
+              <a:t>Valor64  =</a:t>
+            </a:r>
+          </a:p>
+          <a:p>
+            <a:pPr algn="ctr"/>
             <a:r>
               <a:rPr lang="es-ES" sz="1200" smtClean="0"/>
-              <a:t>=</a:t>
-            </a:r>
-          </a:p>
-          <a:p>
-            <a:pPr algn="ctr"/>
-            <a:r>
-              <a:rPr lang="es-ES" sz="1200" smtClean="0"/>
-              <a:t>ValorActual </a:t>
-            </a:r>
-            <a:r>
-              <a:rPr lang="es-ES" sz="1200" smtClean="0"/>
-              <a:t>* 48271</a:t>
+              <a:t>ValorActual * 48271</a:t>
             </a:r>
             <a:endParaRPr lang="es-ES" sz="1200"/>
           </a:p>
@@ -10156,7 +10054,7 @@
           <p:cNvPr id="98" name="20 Rectángulo redondeado">
             <a:extLst>
               <a:ext uri="{FF2B5EF4-FFF2-40B4-BE49-F238E27FC236}">
-                <a16:creationId xmlns="" xmlns:a16="http://schemas.microsoft.com/office/drawing/2014/main" id="{7938FCD4-2AEB-4A9C-BFA6-FF58F425573D}"/>
+                <a16:creationId xmlns:a16="http://schemas.microsoft.com/office/drawing/2014/main" xmlns="" id="{7938FCD4-2AEB-4A9C-BFA6-FF58F425573D}"/>
               </a:ext>
             </a:extLst>
           </p:cNvPr>
@@ -10206,22 +10104,14 @@
             <a:pPr algn="ctr"/>
             <a:r>
               <a:rPr lang="es-ES" sz="1200" smtClean="0"/>
-              <a:t>ValorActual  </a:t>
-            </a:r>
+              <a:t>ValorActual  =</a:t>
+            </a:r>
+          </a:p>
+          <a:p>
+            <a:pPr algn="ctr"/>
             <a:r>
               <a:rPr lang="es-ES" sz="1200" smtClean="0"/>
-              <a:t>=</a:t>
-            </a:r>
-          </a:p>
-          <a:p>
-            <a:pPr algn="ctr"/>
-            <a:r>
-              <a:rPr lang="es-ES" sz="1200" smtClean="0"/>
-              <a:t>Valor64  </a:t>
-            </a:r>
-            <a:r>
-              <a:rPr lang="es-ES" sz="1200" smtClean="0"/>
-              <a:t>mod  7FFFFFFFh</a:t>
+              <a:t>Valor64  mod  7FFFFFFFh</a:t>
             </a:r>
             <a:endParaRPr lang="es-ES" sz="1200"/>
           </a:p>
@@ -10232,7 +10122,7 @@
           <p:cNvPr id="101" name="19 Grupo">
             <a:extLst>
               <a:ext uri="{FF2B5EF4-FFF2-40B4-BE49-F238E27FC236}">
-                <a16:creationId xmlns="" xmlns:a16="http://schemas.microsoft.com/office/drawing/2014/main" id="{72728B6F-9E0E-4855-9B6A-D98006B948B6}"/>
+                <a16:creationId xmlns:a16="http://schemas.microsoft.com/office/drawing/2014/main" xmlns="" id="{72728B6F-9E0E-4855-9B6A-D98006B948B6}"/>
               </a:ext>
             </a:extLst>
           </p:cNvPr>
@@ -10252,7 +10142,7 @@
             <p:cNvPr id="102" name="42 Conector">
               <a:extLst>
                 <a:ext uri="{FF2B5EF4-FFF2-40B4-BE49-F238E27FC236}">
-                  <a16:creationId xmlns="" xmlns:a16="http://schemas.microsoft.com/office/drawing/2014/main" id="{373A1267-C09A-4344-AB04-4D134201A6BE}"/>
+                  <a16:creationId xmlns:a16="http://schemas.microsoft.com/office/drawing/2014/main" xmlns="" id="{373A1267-C09A-4344-AB04-4D134201A6BE}"/>
                 </a:ext>
               </a:extLst>
             </p:cNvPr>
@@ -10309,7 +10199,7 @@
             <p:cNvPr id="103" name="43 Conector">
               <a:extLst>
                 <a:ext uri="{FF2B5EF4-FFF2-40B4-BE49-F238E27FC236}">
-                  <a16:creationId xmlns="" xmlns:a16="http://schemas.microsoft.com/office/drawing/2014/main" id="{63920072-F0D4-437F-AAD7-67A75B8A9057}"/>
+                  <a16:creationId xmlns:a16="http://schemas.microsoft.com/office/drawing/2014/main" xmlns="" id="{63920072-F0D4-437F-AAD7-67A75B8A9057}"/>
                 </a:ext>
               </a:extLst>
             </p:cNvPr>
@@ -10364,7 +10254,7 @@
           <p:cNvPr id="105" name="36 Conector">
             <a:extLst>
               <a:ext uri="{FF2B5EF4-FFF2-40B4-BE49-F238E27FC236}">
-                <a16:creationId xmlns="" xmlns:a16="http://schemas.microsoft.com/office/drawing/2014/main" id="{11CC1446-9291-450E-9B53-2A15F8DBEF08}"/>
+                <a16:creationId xmlns:a16="http://schemas.microsoft.com/office/drawing/2014/main" xmlns="" id="{11CC1446-9291-450E-9B53-2A15F8DBEF08}"/>
               </a:ext>
             </a:extLst>
           </p:cNvPr>
@@ -10416,7 +10306,7 @@
           <p:cNvPr id="106" name="29 Conector recto de flecha">
             <a:extLst>
               <a:ext uri="{FF2B5EF4-FFF2-40B4-BE49-F238E27FC236}">
-                <a16:creationId xmlns="" xmlns:a16="http://schemas.microsoft.com/office/drawing/2014/main" id="{E051F635-5666-428C-91BF-EB77E088BD3E}"/>
+                <a16:creationId xmlns:a16="http://schemas.microsoft.com/office/drawing/2014/main" xmlns="" id="{E051F635-5666-428C-91BF-EB77E088BD3E}"/>
               </a:ext>
             </a:extLst>
           </p:cNvPr>
@@ -10459,7 +10349,7 @@
           <p:cNvPr id="112" name="29 Conector recto de flecha">
             <a:extLst>
               <a:ext uri="{FF2B5EF4-FFF2-40B4-BE49-F238E27FC236}">
-                <a16:creationId xmlns="" xmlns:a16="http://schemas.microsoft.com/office/drawing/2014/main" id="{E051F635-5666-428C-91BF-EB77E088BD3E}"/>
+                <a16:creationId xmlns:a16="http://schemas.microsoft.com/office/drawing/2014/main" xmlns="" id="{E051F635-5666-428C-91BF-EB77E088BD3E}"/>
               </a:ext>
             </a:extLst>
           </p:cNvPr>
@@ -10502,7 +10392,7 @@
           <p:cNvPr id="113" name="29 Conector recto de flecha">
             <a:extLst>
               <a:ext uri="{FF2B5EF4-FFF2-40B4-BE49-F238E27FC236}">
-                <a16:creationId xmlns="" xmlns:a16="http://schemas.microsoft.com/office/drawing/2014/main" id="{E051F635-5666-428C-91BF-EB77E088BD3E}"/>
+                <a16:creationId xmlns:a16="http://schemas.microsoft.com/office/drawing/2014/main" xmlns="" id="{E051F635-5666-428C-91BF-EB77E088BD3E}"/>
               </a:ext>
             </a:extLst>
           </p:cNvPr>

--- a/Specification/Spanish/Editable source images/Imágenes Spec Parte 7 - Otros componentes de la consola.pptx
+++ b/Specification/Spanish/Editable source images/Imágenes Spec Parte 7 - Otros componentes de la consola.pptx
@@ -4821,7 +4821,7 @@
                   <a:srgbClr val="C00000"/>
                 </a:solidFill>
               </a:rPr>
-              <a:t>RAM</a:t>
+              <a:t>Chip de RAM</a:t>
             </a:r>
             <a:endParaRPr lang="es-ES" sz="1600" b="1">
               <a:solidFill>
@@ -5235,7 +5235,7 @@
                   <a:srgbClr val="C00000"/>
                 </a:solidFill>
               </a:rPr>
-              <a:t>BIOS</a:t>
+              <a:t>Chip de la BIOS</a:t>
             </a:r>
             <a:endParaRPr lang="es-ES" sz="1600" b="1">
               <a:solidFill>
@@ -5861,7 +5861,7 @@
           <p:cNvPr id="86" name="Rectángulo 85">
             <a:extLst>
               <a:ext uri="{FF2B5EF4-FFF2-40B4-BE49-F238E27FC236}">
-                <a16:creationId xmlns="" xmlns:a16="http://schemas.microsoft.com/office/drawing/2014/main" id="{D136B626-B99A-4919-8609-F0DA15C64A07}"/>
+                <a16:creationId xmlns:a16="http://schemas.microsoft.com/office/drawing/2014/main" xmlns="" id="{D136B626-B99A-4919-8609-F0DA15C64A07}"/>
               </a:ext>
             </a:extLst>
           </p:cNvPr>
@@ -5913,7 +5913,7 @@
           <p:cNvPr id="88" name="Rectángulo 87">
             <a:extLst>
               <a:ext uri="{FF2B5EF4-FFF2-40B4-BE49-F238E27FC236}">
-                <a16:creationId xmlns="" xmlns:a16="http://schemas.microsoft.com/office/drawing/2014/main" id="{1D5C81C2-3A8D-4B79-84C3-767501CFBACA}"/>
+                <a16:creationId xmlns:a16="http://schemas.microsoft.com/office/drawing/2014/main" xmlns="" id="{1D5C81C2-3A8D-4B79-84C3-767501CFBACA}"/>
               </a:ext>
             </a:extLst>
           </p:cNvPr>
@@ -5965,7 +5965,7 @@
           <p:cNvPr id="90" name="Rectángulo 89">
             <a:extLst>
               <a:ext uri="{FF2B5EF4-FFF2-40B4-BE49-F238E27FC236}">
-                <a16:creationId xmlns="" xmlns:a16="http://schemas.microsoft.com/office/drawing/2014/main" id="{3561981F-4785-4A09-8181-E0BC6A56A32D}"/>
+                <a16:creationId xmlns:a16="http://schemas.microsoft.com/office/drawing/2014/main" xmlns="" id="{3561981F-4785-4A09-8181-E0BC6A56A32D}"/>
               </a:ext>
             </a:extLst>
           </p:cNvPr>
@@ -6017,7 +6017,7 @@
           <p:cNvPr id="92" name="Rectángulo 91">
             <a:extLst>
               <a:ext uri="{FF2B5EF4-FFF2-40B4-BE49-F238E27FC236}">
-                <a16:creationId xmlns="" xmlns:a16="http://schemas.microsoft.com/office/drawing/2014/main" id="{BC1258C2-8AC5-44BE-A819-DA652F727394}"/>
+                <a16:creationId xmlns:a16="http://schemas.microsoft.com/office/drawing/2014/main" xmlns="" id="{BC1258C2-8AC5-44BE-A819-DA652F727394}"/>
               </a:ext>
             </a:extLst>
           </p:cNvPr>
@@ -6069,7 +6069,7 @@
           <p:cNvPr id="94" name="Rectángulo 93">
             <a:extLst>
               <a:ext uri="{FF2B5EF4-FFF2-40B4-BE49-F238E27FC236}">
-                <a16:creationId xmlns="" xmlns:a16="http://schemas.microsoft.com/office/drawing/2014/main" id="{09FA9F8B-4F70-4843-9EAC-9A6B1124B191}"/>
+                <a16:creationId xmlns:a16="http://schemas.microsoft.com/office/drawing/2014/main" xmlns="" id="{09FA9F8B-4F70-4843-9EAC-9A6B1124B191}"/>
               </a:ext>
             </a:extLst>
           </p:cNvPr>
@@ -6121,7 +6121,7 @@
           <p:cNvPr id="96" name="Rectángulo 95">
             <a:extLst>
               <a:ext uri="{FF2B5EF4-FFF2-40B4-BE49-F238E27FC236}">
-                <a16:creationId xmlns="" xmlns:a16="http://schemas.microsoft.com/office/drawing/2014/main" id="{BDE75ADB-62F6-4B06-A8C8-48FFC0734776}"/>
+                <a16:creationId xmlns:a16="http://schemas.microsoft.com/office/drawing/2014/main" xmlns="" id="{BDE75ADB-62F6-4B06-A8C8-48FFC0734776}"/>
               </a:ext>
             </a:extLst>
           </p:cNvPr>
@@ -6173,7 +6173,7 @@
           <p:cNvPr id="98" name="Rectángulo 97">
             <a:extLst>
               <a:ext uri="{FF2B5EF4-FFF2-40B4-BE49-F238E27FC236}">
-                <a16:creationId xmlns="" xmlns:a16="http://schemas.microsoft.com/office/drawing/2014/main" id="{CE8D17C1-C2A2-4D3F-9B83-195AFB3C969B}"/>
+                <a16:creationId xmlns:a16="http://schemas.microsoft.com/office/drawing/2014/main" xmlns="" id="{CE8D17C1-C2A2-4D3F-9B83-195AFB3C969B}"/>
               </a:ext>
             </a:extLst>
           </p:cNvPr>
@@ -6225,7 +6225,7 @@
           <p:cNvPr id="100" name="Rectángulo 99">
             <a:extLst>
               <a:ext uri="{FF2B5EF4-FFF2-40B4-BE49-F238E27FC236}">
-                <a16:creationId xmlns="" xmlns:a16="http://schemas.microsoft.com/office/drawing/2014/main" id="{3BEECC94-5FF0-48DA-BCEC-E87CA93FD03A}"/>
+                <a16:creationId xmlns:a16="http://schemas.microsoft.com/office/drawing/2014/main" xmlns="" id="{3BEECC94-5FF0-48DA-BCEC-E87CA93FD03A}"/>
               </a:ext>
             </a:extLst>
           </p:cNvPr>
@@ -6277,7 +6277,7 @@
           <p:cNvPr id="101" name="Rectángulo 100">
             <a:extLst>
               <a:ext uri="{FF2B5EF4-FFF2-40B4-BE49-F238E27FC236}">
-                <a16:creationId xmlns="" xmlns:a16="http://schemas.microsoft.com/office/drawing/2014/main" id="{5AF5D5E5-FA6F-48E1-AEEC-C2D0AFCABAD3}"/>
+                <a16:creationId xmlns:a16="http://schemas.microsoft.com/office/drawing/2014/main" xmlns="" id="{5AF5D5E5-FA6F-48E1-AEEC-C2D0AFCABAD3}"/>
               </a:ext>
             </a:extLst>
           </p:cNvPr>
@@ -6329,7 +6329,7 @@
           <p:cNvPr id="108" name="Rectángulo 107">
             <a:extLst>
               <a:ext uri="{FF2B5EF4-FFF2-40B4-BE49-F238E27FC236}">
-                <a16:creationId xmlns="" xmlns:a16="http://schemas.microsoft.com/office/drawing/2014/main" id="{FC54B5E4-BD6D-47B2-A73F-551173B6F644}"/>
+                <a16:creationId xmlns:a16="http://schemas.microsoft.com/office/drawing/2014/main" xmlns="" id="{FC54B5E4-BD6D-47B2-A73F-551173B6F644}"/>
               </a:ext>
             </a:extLst>
           </p:cNvPr>
@@ -6381,7 +6381,7 @@
           <p:cNvPr id="111" name="Rectángulo 110">
             <a:extLst>
               <a:ext uri="{FF2B5EF4-FFF2-40B4-BE49-F238E27FC236}">
-                <a16:creationId xmlns="" xmlns:a16="http://schemas.microsoft.com/office/drawing/2014/main" id="{A01D818C-C207-48AE-B849-41C661FD0762}"/>
+                <a16:creationId xmlns:a16="http://schemas.microsoft.com/office/drawing/2014/main" xmlns="" id="{A01D818C-C207-48AE-B849-41C661FD0762}"/>
               </a:ext>
             </a:extLst>
           </p:cNvPr>
@@ -6433,7 +6433,7 @@
           <p:cNvPr id="113" name="Rectángulo 112">
             <a:extLst>
               <a:ext uri="{FF2B5EF4-FFF2-40B4-BE49-F238E27FC236}">
-                <a16:creationId xmlns="" xmlns:a16="http://schemas.microsoft.com/office/drawing/2014/main" id="{925158CF-29ED-4A4A-B3AF-C72B5B7BB7EC}"/>
+                <a16:creationId xmlns:a16="http://schemas.microsoft.com/office/drawing/2014/main" xmlns="" id="{925158CF-29ED-4A4A-B3AF-C72B5B7BB7EC}"/>
               </a:ext>
             </a:extLst>
           </p:cNvPr>
@@ -6485,7 +6485,7 @@
           <p:cNvPr id="115" name="Rectángulo 114">
             <a:extLst>
               <a:ext uri="{FF2B5EF4-FFF2-40B4-BE49-F238E27FC236}">
-                <a16:creationId xmlns="" xmlns:a16="http://schemas.microsoft.com/office/drawing/2014/main" id="{499E038A-214A-49F9-8103-A9A3A620F489}"/>
+                <a16:creationId xmlns:a16="http://schemas.microsoft.com/office/drawing/2014/main" xmlns="" id="{499E038A-214A-49F9-8103-A9A3A620F489}"/>
               </a:ext>
             </a:extLst>
           </p:cNvPr>
@@ -6537,7 +6537,7 @@
           <p:cNvPr id="117" name="Rectángulo 116">
             <a:extLst>
               <a:ext uri="{FF2B5EF4-FFF2-40B4-BE49-F238E27FC236}">
-                <a16:creationId xmlns="" xmlns:a16="http://schemas.microsoft.com/office/drawing/2014/main" id="{0664541E-0833-4A5E-A8EF-5A3FCF77F63E}"/>
+                <a16:creationId xmlns:a16="http://schemas.microsoft.com/office/drawing/2014/main" xmlns="" id="{0664541E-0833-4A5E-A8EF-5A3FCF77F63E}"/>
               </a:ext>
             </a:extLst>
           </p:cNvPr>
@@ -6589,7 +6589,7 @@
           <p:cNvPr id="120" name="Rectángulo 119">
             <a:extLst>
               <a:ext uri="{FF2B5EF4-FFF2-40B4-BE49-F238E27FC236}">
-                <a16:creationId xmlns="" xmlns:a16="http://schemas.microsoft.com/office/drawing/2014/main" id="{79D68643-0A1E-495E-80FB-534377898035}"/>
+                <a16:creationId xmlns:a16="http://schemas.microsoft.com/office/drawing/2014/main" xmlns="" id="{79D68643-0A1E-495E-80FB-534377898035}"/>
               </a:ext>
             </a:extLst>
           </p:cNvPr>
@@ -6641,7 +6641,7 @@
           <p:cNvPr id="127" name="Rectángulo 126">
             <a:extLst>
               <a:ext uri="{FF2B5EF4-FFF2-40B4-BE49-F238E27FC236}">
-                <a16:creationId xmlns="" xmlns:a16="http://schemas.microsoft.com/office/drawing/2014/main" id="{E7BD9940-F968-4B8B-8CF6-01F0F9A79FC5}"/>
+                <a16:creationId xmlns:a16="http://schemas.microsoft.com/office/drawing/2014/main" xmlns="" id="{E7BD9940-F968-4B8B-8CF6-01F0F9A79FC5}"/>
               </a:ext>
             </a:extLst>
           </p:cNvPr>
@@ -6693,7 +6693,7 @@
           <p:cNvPr id="128" name="Rectángulo 127">
             <a:extLst>
               <a:ext uri="{FF2B5EF4-FFF2-40B4-BE49-F238E27FC236}">
-                <a16:creationId xmlns="" xmlns:a16="http://schemas.microsoft.com/office/drawing/2014/main" id="{9A111A93-0EBA-486F-9846-8B244017B371}"/>
+                <a16:creationId xmlns:a16="http://schemas.microsoft.com/office/drawing/2014/main" xmlns="" id="{9A111A93-0EBA-486F-9846-8B244017B371}"/>
               </a:ext>
             </a:extLst>
           </p:cNvPr>
@@ -6745,7 +6745,7 @@
           <p:cNvPr id="129" name="Rectángulo 128">
             <a:extLst>
               <a:ext uri="{FF2B5EF4-FFF2-40B4-BE49-F238E27FC236}">
-                <a16:creationId xmlns="" xmlns:a16="http://schemas.microsoft.com/office/drawing/2014/main" id="{2EDC590C-B79B-4455-B21A-E52CD413002F}"/>
+                <a16:creationId xmlns:a16="http://schemas.microsoft.com/office/drawing/2014/main" xmlns="" id="{2EDC590C-B79B-4455-B21A-E52CD413002F}"/>
               </a:ext>
             </a:extLst>
           </p:cNvPr>
@@ -6797,7 +6797,7 @@
           <p:cNvPr id="130" name="Rectángulo 129">
             <a:extLst>
               <a:ext uri="{FF2B5EF4-FFF2-40B4-BE49-F238E27FC236}">
-                <a16:creationId xmlns="" xmlns:a16="http://schemas.microsoft.com/office/drawing/2014/main" id="{BFE52AF6-0715-45AA-BE61-460045DFF830}"/>
+                <a16:creationId xmlns:a16="http://schemas.microsoft.com/office/drawing/2014/main" xmlns="" id="{BFE52AF6-0715-45AA-BE61-460045DFF830}"/>
               </a:ext>
             </a:extLst>
           </p:cNvPr>
@@ -6849,7 +6849,7 @@
           <p:cNvPr id="131" name="Rectángulo 130">
             <a:extLst>
               <a:ext uri="{FF2B5EF4-FFF2-40B4-BE49-F238E27FC236}">
-                <a16:creationId xmlns="" xmlns:a16="http://schemas.microsoft.com/office/drawing/2014/main" id="{ABD5847F-75F1-4799-9544-668E918A0AC5}"/>
+                <a16:creationId xmlns:a16="http://schemas.microsoft.com/office/drawing/2014/main" xmlns="" id="{ABD5847F-75F1-4799-9544-668E918A0AC5}"/>
               </a:ext>
             </a:extLst>
           </p:cNvPr>
@@ -6901,7 +6901,7 @@
           <p:cNvPr id="132" name="Rectángulo 131">
             <a:extLst>
               <a:ext uri="{FF2B5EF4-FFF2-40B4-BE49-F238E27FC236}">
-                <a16:creationId xmlns="" xmlns:a16="http://schemas.microsoft.com/office/drawing/2014/main" id="{8B57A71E-4CB6-4D59-94FC-2987F4485F43}"/>
+                <a16:creationId xmlns:a16="http://schemas.microsoft.com/office/drawing/2014/main" xmlns="" id="{8B57A71E-4CB6-4D59-94FC-2987F4485F43}"/>
               </a:ext>
             </a:extLst>
           </p:cNvPr>
@@ -6953,7 +6953,7 @@
           <p:cNvPr id="133" name="Rectángulo 132">
             <a:extLst>
               <a:ext uri="{FF2B5EF4-FFF2-40B4-BE49-F238E27FC236}">
-                <a16:creationId xmlns="" xmlns:a16="http://schemas.microsoft.com/office/drawing/2014/main" id="{852973DA-04D7-48FC-8EEF-735C27611E8E}"/>
+                <a16:creationId xmlns:a16="http://schemas.microsoft.com/office/drawing/2014/main" xmlns="" id="{852973DA-04D7-48FC-8EEF-735C27611E8E}"/>
               </a:ext>
             </a:extLst>
           </p:cNvPr>
@@ -7005,7 +7005,7 @@
           <p:cNvPr id="134" name="Rectángulo 133">
             <a:extLst>
               <a:ext uri="{FF2B5EF4-FFF2-40B4-BE49-F238E27FC236}">
-                <a16:creationId xmlns="" xmlns:a16="http://schemas.microsoft.com/office/drawing/2014/main" id="{722DFA65-C143-4D0A-94F4-305BA1B1E318}"/>
+                <a16:creationId xmlns:a16="http://schemas.microsoft.com/office/drawing/2014/main" xmlns="" id="{722DFA65-C143-4D0A-94F4-305BA1B1E318}"/>
               </a:ext>
             </a:extLst>
           </p:cNvPr>
@@ -7057,7 +7057,7 @@
           <p:cNvPr id="135" name="Rectángulo 134">
             <a:extLst>
               <a:ext uri="{FF2B5EF4-FFF2-40B4-BE49-F238E27FC236}">
-                <a16:creationId xmlns="" xmlns:a16="http://schemas.microsoft.com/office/drawing/2014/main" id="{05562AE3-F2A7-4FE9-BCD7-055717A12BA2}"/>
+                <a16:creationId xmlns:a16="http://schemas.microsoft.com/office/drawing/2014/main" xmlns="" id="{05562AE3-F2A7-4FE9-BCD7-055717A12BA2}"/>
               </a:ext>
             </a:extLst>
           </p:cNvPr>
@@ -7109,7 +7109,7 @@
           <p:cNvPr id="136" name="Rectángulo 135">
             <a:extLst>
               <a:ext uri="{FF2B5EF4-FFF2-40B4-BE49-F238E27FC236}">
-                <a16:creationId xmlns="" xmlns:a16="http://schemas.microsoft.com/office/drawing/2014/main" id="{45204B18-3348-4086-8A71-A0A62EB4C662}"/>
+                <a16:creationId xmlns:a16="http://schemas.microsoft.com/office/drawing/2014/main" xmlns="" id="{45204B18-3348-4086-8A71-A0A62EB4C662}"/>
               </a:ext>
             </a:extLst>
           </p:cNvPr>
@@ -7161,7 +7161,7 @@
           <p:cNvPr id="137" name="Rectángulo 136">
             <a:extLst>
               <a:ext uri="{FF2B5EF4-FFF2-40B4-BE49-F238E27FC236}">
-                <a16:creationId xmlns="" xmlns:a16="http://schemas.microsoft.com/office/drawing/2014/main" id="{4431FD59-9C6C-4FD4-A087-B445A8EF6FDF}"/>
+                <a16:creationId xmlns:a16="http://schemas.microsoft.com/office/drawing/2014/main" xmlns="" id="{4431FD59-9C6C-4FD4-A087-B445A8EF6FDF}"/>
               </a:ext>
             </a:extLst>
           </p:cNvPr>
@@ -7213,7 +7213,7 @@
           <p:cNvPr id="138" name="Rectángulo 137">
             <a:extLst>
               <a:ext uri="{FF2B5EF4-FFF2-40B4-BE49-F238E27FC236}">
-                <a16:creationId xmlns="" xmlns:a16="http://schemas.microsoft.com/office/drawing/2014/main" id="{831ABC75-3734-44DE-B678-F9A08F453CA9}"/>
+                <a16:creationId xmlns:a16="http://schemas.microsoft.com/office/drawing/2014/main" xmlns="" id="{831ABC75-3734-44DE-B678-F9A08F453CA9}"/>
               </a:ext>
             </a:extLst>
           </p:cNvPr>
@@ -7265,7 +7265,7 @@
           <p:cNvPr id="139" name="Rectángulo 138">
             <a:extLst>
               <a:ext uri="{FF2B5EF4-FFF2-40B4-BE49-F238E27FC236}">
-                <a16:creationId xmlns="" xmlns:a16="http://schemas.microsoft.com/office/drawing/2014/main" id="{6747C598-6F27-48F6-8699-DE71CA8AAC56}"/>
+                <a16:creationId xmlns:a16="http://schemas.microsoft.com/office/drawing/2014/main" xmlns="" id="{6747C598-6F27-48F6-8699-DE71CA8AAC56}"/>
               </a:ext>
             </a:extLst>
           </p:cNvPr>
@@ -7317,7 +7317,7 @@
           <p:cNvPr id="140" name="Rectángulo 139">
             <a:extLst>
               <a:ext uri="{FF2B5EF4-FFF2-40B4-BE49-F238E27FC236}">
-                <a16:creationId xmlns="" xmlns:a16="http://schemas.microsoft.com/office/drawing/2014/main" id="{C847B380-C1D4-4340-AFA5-431A25138A62}"/>
+                <a16:creationId xmlns:a16="http://schemas.microsoft.com/office/drawing/2014/main" xmlns="" id="{C847B380-C1D4-4340-AFA5-431A25138A62}"/>
               </a:ext>
             </a:extLst>
           </p:cNvPr>
@@ -7369,7 +7369,7 @@
           <p:cNvPr id="141" name="Rectángulo 140">
             <a:extLst>
               <a:ext uri="{FF2B5EF4-FFF2-40B4-BE49-F238E27FC236}">
-                <a16:creationId xmlns="" xmlns:a16="http://schemas.microsoft.com/office/drawing/2014/main" id="{E7925BD4-0E84-4AC6-9E38-CD5780EE73A7}"/>
+                <a16:creationId xmlns:a16="http://schemas.microsoft.com/office/drawing/2014/main" xmlns="" id="{E7925BD4-0E84-4AC6-9E38-CD5780EE73A7}"/>
               </a:ext>
             </a:extLst>
           </p:cNvPr>
@@ -7421,7 +7421,7 @@
           <p:cNvPr id="147" name="Rectángulo 146">
             <a:extLst>
               <a:ext uri="{FF2B5EF4-FFF2-40B4-BE49-F238E27FC236}">
-                <a16:creationId xmlns="" xmlns:a16="http://schemas.microsoft.com/office/drawing/2014/main" id="{2A8C2ECE-5ECC-4C5D-85C5-B01FE7E065E5}"/>
+                <a16:creationId xmlns:a16="http://schemas.microsoft.com/office/drawing/2014/main" xmlns="" id="{2A8C2ECE-5ECC-4C5D-85C5-B01FE7E065E5}"/>
               </a:ext>
             </a:extLst>
           </p:cNvPr>
@@ -7473,7 +7473,7 @@
           <p:cNvPr id="151" name="Rectángulo 150">
             <a:extLst>
               <a:ext uri="{FF2B5EF4-FFF2-40B4-BE49-F238E27FC236}">
-                <a16:creationId xmlns="" xmlns:a16="http://schemas.microsoft.com/office/drawing/2014/main" id="{39BED3B9-5161-4238-A6B4-E73C2313BF03}"/>
+                <a16:creationId xmlns:a16="http://schemas.microsoft.com/office/drawing/2014/main" xmlns="" id="{39BED3B9-5161-4238-A6B4-E73C2313BF03}"/>
               </a:ext>
             </a:extLst>
           </p:cNvPr>
@@ -7525,7 +7525,7 @@
           <p:cNvPr id="152" name="Conector recto 151">
             <a:extLst>
               <a:ext uri="{FF2B5EF4-FFF2-40B4-BE49-F238E27FC236}">
-                <a16:creationId xmlns="" xmlns:a16="http://schemas.microsoft.com/office/drawing/2014/main" id="{7E9F22F7-742E-4F2E-ABEF-67ECBC1C0BB1}"/>
+                <a16:creationId xmlns:a16="http://schemas.microsoft.com/office/drawing/2014/main" xmlns="" id="{7E9F22F7-742E-4F2E-ABEF-67ECBC1C0BB1}"/>
               </a:ext>
             </a:extLst>
           </p:cNvPr>
@@ -7568,7 +7568,7 @@
           <p:cNvPr id="156" name="Conector recto 155">
             <a:extLst>
               <a:ext uri="{FF2B5EF4-FFF2-40B4-BE49-F238E27FC236}">
-                <a16:creationId xmlns="" xmlns:a16="http://schemas.microsoft.com/office/drawing/2014/main" id="{ADE4CF5E-7706-4075-9EBC-713026A07A99}"/>
+                <a16:creationId xmlns:a16="http://schemas.microsoft.com/office/drawing/2014/main" xmlns="" id="{ADE4CF5E-7706-4075-9EBC-713026A07A99}"/>
               </a:ext>
             </a:extLst>
           </p:cNvPr>
@@ -7611,7 +7611,7 @@
           <p:cNvPr id="158" name="Conector recto de flecha 157">
             <a:extLst>
               <a:ext uri="{FF2B5EF4-FFF2-40B4-BE49-F238E27FC236}">
-                <a16:creationId xmlns="" xmlns:a16="http://schemas.microsoft.com/office/drawing/2014/main" id="{E462C51E-1902-4E27-A25A-6B3B8509589C}"/>
+                <a16:creationId xmlns:a16="http://schemas.microsoft.com/office/drawing/2014/main" xmlns="" id="{E462C51E-1902-4E27-A25A-6B3B8509589C}"/>
               </a:ext>
             </a:extLst>
           </p:cNvPr>
@@ -7653,7 +7653,7 @@
           <p:cNvPr id="160" name="Conector recto de flecha 159">
             <a:extLst>
               <a:ext uri="{FF2B5EF4-FFF2-40B4-BE49-F238E27FC236}">
-                <a16:creationId xmlns="" xmlns:a16="http://schemas.microsoft.com/office/drawing/2014/main" id="{2EEE090E-2E31-4BF1-976D-E3FD7FD7BB67}"/>
+                <a16:creationId xmlns:a16="http://schemas.microsoft.com/office/drawing/2014/main" xmlns="" id="{2EEE090E-2E31-4BF1-976D-E3FD7FD7BB67}"/>
               </a:ext>
             </a:extLst>
           </p:cNvPr>
@@ -7695,7 +7695,7 @@
           <p:cNvPr id="162" name="Conector recto 161">
             <a:extLst>
               <a:ext uri="{FF2B5EF4-FFF2-40B4-BE49-F238E27FC236}">
-                <a16:creationId xmlns="" xmlns:a16="http://schemas.microsoft.com/office/drawing/2014/main" id="{72A94A24-0428-400E-8F53-1E6C7C368BFC}"/>
+                <a16:creationId xmlns:a16="http://schemas.microsoft.com/office/drawing/2014/main" xmlns="" id="{72A94A24-0428-400E-8F53-1E6C7C368BFC}"/>
               </a:ext>
             </a:extLst>
           </p:cNvPr>
@@ -7738,7 +7738,7 @@
           <p:cNvPr id="163" name="CuadroTexto 162">
             <a:extLst>
               <a:ext uri="{FF2B5EF4-FFF2-40B4-BE49-F238E27FC236}">
-                <a16:creationId xmlns="" xmlns:a16="http://schemas.microsoft.com/office/drawing/2014/main" id="{A447CBF8-295A-4EB8-BE3C-DB2C86627377}"/>
+                <a16:creationId xmlns:a16="http://schemas.microsoft.com/office/drawing/2014/main" xmlns="" id="{A447CBF8-295A-4EB8-BE3C-DB2C86627377}"/>
               </a:ext>
             </a:extLst>
           </p:cNvPr>
@@ -7774,7 +7774,7 @@
           <p:cNvPr id="164" name="CuadroTexto 163">
             <a:extLst>
               <a:ext uri="{FF2B5EF4-FFF2-40B4-BE49-F238E27FC236}">
-                <a16:creationId xmlns="" xmlns:a16="http://schemas.microsoft.com/office/drawing/2014/main" id="{17A3A88F-AEAD-46DE-A3B5-BD5151511C03}"/>
+                <a16:creationId xmlns:a16="http://schemas.microsoft.com/office/drawing/2014/main" xmlns="" id="{17A3A88F-AEAD-46DE-A3B5-BD5151511C03}"/>
               </a:ext>
             </a:extLst>
           </p:cNvPr>
@@ -7819,7 +7819,7 @@
           <p:cNvPr id="165" name="CuadroTexto 164">
             <a:extLst>
               <a:ext uri="{FF2B5EF4-FFF2-40B4-BE49-F238E27FC236}">
-                <a16:creationId xmlns="" xmlns:a16="http://schemas.microsoft.com/office/drawing/2014/main" id="{E3051239-9AF1-42B5-B808-D697445F69F3}"/>
+                <a16:creationId xmlns:a16="http://schemas.microsoft.com/office/drawing/2014/main" xmlns="" id="{E3051239-9AF1-42B5-B808-D697445F69F3}"/>
               </a:ext>
             </a:extLst>
           </p:cNvPr>
@@ -7862,7 +7862,7 @@
           <p:cNvPr id="166" name="CuadroTexto 165">
             <a:extLst>
               <a:ext uri="{FF2B5EF4-FFF2-40B4-BE49-F238E27FC236}">
-                <a16:creationId xmlns="" xmlns:a16="http://schemas.microsoft.com/office/drawing/2014/main" id="{630684B5-FECF-4D6E-9125-3E66582C6529}"/>
+                <a16:creationId xmlns:a16="http://schemas.microsoft.com/office/drawing/2014/main" xmlns="" id="{630684B5-FECF-4D6E-9125-3E66582C6529}"/>
               </a:ext>
             </a:extLst>
           </p:cNvPr>
@@ -7904,7 +7904,7 @@
           <p:cNvPr id="169" name="CuadroTexto 168">
             <a:extLst>
               <a:ext uri="{FF2B5EF4-FFF2-40B4-BE49-F238E27FC236}">
-                <a16:creationId xmlns="" xmlns:a16="http://schemas.microsoft.com/office/drawing/2014/main" id="{0C17D9FD-88A0-4C7D-974A-8AA5C997A50B}"/>
+                <a16:creationId xmlns:a16="http://schemas.microsoft.com/office/drawing/2014/main" xmlns="" id="{0C17D9FD-88A0-4C7D-974A-8AA5C997A50B}"/>
               </a:ext>
             </a:extLst>
           </p:cNvPr>
@@ -7940,7 +7940,7 @@
           <p:cNvPr id="170" name="CuadroTexto 169">
             <a:extLst>
               <a:ext uri="{FF2B5EF4-FFF2-40B4-BE49-F238E27FC236}">
-                <a16:creationId xmlns="" xmlns:a16="http://schemas.microsoft.com/office/drawing/2014/main" id="{439BC4A8-140F-4E0A-AAC6-205EFE14EB9D}"/>
+                <a16:creationId xmlns:a16="http://schemas.microsoft.com/office/drawing/2014/main" xmlns="" id="{439BC4A8-140F-4E0A-AAC6-205EFE14EB9D}"/>
               </a:ext>
             </a:extLst>
           </p:cNvPr>
@@ -7970,23 +7970,7 @@
                   <a:srgbClr val="0070C0"/>
                 </a:solidFill>
               </a:rPr>
-              <a:t>Días </a:t>
-            </a:r>
-            <a:r>
-              <a:rPr lang="es-ES" smtClean="0">
-                <a:solidFill>
-                  <a:srgbClr val="0070C0"/>
-                </a:solidFill>
-              </a:rPr>
-              <a:t>pasados del </a:t>
-            </a:r>
-            <a:r>
-              <a:rPr lang="es-ES" smtClean="0">
-                <a:solidFill>
-                  <a:srgbClr val="0070C0"/>
-                </a:solidFill>
-              </a:rPr>
-              <a:t>año</a:t>
+              <a:t>Días pasados del año</a:t>
             </a:r>
             <a:endParaRPr lang="es-ES">
               <a:solidFill>
@@ -7999,7 +7983,7 @@
     </p:spTree>
     <p:extLst>
       <p:ext uri="{BB962C8B-B14F-4D97-AF65-F5344CB8AC3E}">
-        <p14:creationId xmlns="" xmlns:p14="http://schemas.microsoft.com/office/powerpoint/2010/main" val="2376407795"/>
+        <p14:creationId xmlns:p14="http://schemas.microsoft.com/office/powerpoint/2010/main" xmlns="" val="2376407795"/>
       </p:ext>
     </p:extLst>
   </p:cSld>
@@ -8031,7 +8015,7 @@
           <p:cNvPr id="27" name="36 Conector">
             <a:extLst>
               <a:ext uri="{FF2B5EF4-FFF2-40B4-BE49-F238E27FC236}">
-                <a16:creationId xmlns:a16="http://schemas.microsoft.com/office/drawing/2014/main" xmlns="" id="{11CC1446-9291-450E-9B53-2A15F8DBEF08}"/>
+                <a16:creationId xmlns="" xmlns:a16="http://schemas.microsoft.com/office/drawing/2014/main" id="{11CC1446-9291-450E-9B53-2A15F8DBEF08}"/>
               </a:ext>
             </a:extLst>
           </p:cNvPr>
@@ -8083,7 +8067,7 @@
           <p:cNvPr id="30" name="16 Decisión">
             <a:extLst>
               <a:ext uri="{FF2B5EF4-FFF2-40B4-BE49-F238E27FC236}">
-                <a16:creationId xmlns:a16="http://schemas.microsoft.com/office/drawing/2014/main" xmlns="" id="{FD2C65EB-311B-4CBC-A411-E81D45AF1666}"/>
+                <a16:creationId xmlns="" xmlns:a16="http://schemas.microsoft.com/office/drawing/2014/main" id="{FD2C65EB-311B-4CBC-A411-E81D45AF1666}"/>
               </a:ext>
             </a:extLst>
           </p:cNvPr>
@@ -8141,7 +8125,7 @@
           <p:cNvPr id="46" name="30 CuadroTexto">
             <a:extLst>
               <a:ext uri="{FF2B5EF4-FFF2-40B4-BE49-F238E27FC236}">
-                <a16:creationId xmlns:a16="http://schemas.microsoft.com/office/drawing/2014/main" xmlns="" id="{4C0646B8-2B7E-4579-AEF8-C28BED180070}"/>
+                <a16:creationId xmlns="" xmlns:a16="http://schemas.microsoft.com/office/drawing/2014/main" id="{4C0646B8-2B7E-4579-AEF8-C28BED180070}"/>
               </a:ext>
             </a:extLst>
           </p:cNvPr>
@@ -8178,7 +8162,7 @@
           <p:cNvPr id="2" name="19 Grupo">
             <a:extLst>
               <a:ext uri="{FF2B5EF4-FFF2-40B4-BE49-F238E27FC236}">
-                <a16:creationId xmlns:a16="http://schemas.microsoft.com/office/drawing/2014/main" xmlns="" id="{72728B6F-9E0E-4855-9B6A-D98006B948B6}"/>
+                <a16:creationId xmlns="" xmlns:a16="http://schemas.microsoft.com/office/drawing/2014/main" id="{72728B6F-9E0E-4855-9B6A-D98006B948B6}"/>
               </a:ext>
             </a:extLst>
           </p:cNvPr>
@@ -8198,7 +8182,7 @@
             <p:cNvPr id="53" name="42 Conector">
               <a:extLst>
                 <a:ext uri="{FF2B5EF4-FFF2-40B4-BE49-F238E27FC236}">
-                  <a16:creationId xmlns:a16="http://schemas.microsoft.com/office/drawing/2014/main" xmlns="" id="{373A1267-C09A-4344-AB04-4D134201A6BE}"/>
+                  <a16:creationId xmlns="" xmlns:a16="http://schemas.microsoft.com/office/drawing/2014/main" id="{373A1267-C09A-4344-AB04-4D134201A6BE}"/>
                 </a:ext>
               </a:extLst>
             </p:cNvPr>
@@ -8255,7 +8239,7 @@
             <p:cNvPr id="54" name="43 Conector">
               <a:extLst>
                 <a:ext uri="{FF2B5EF4-FFF2-40B4-BE49-F238E27FC236}">
-                  <a16:creationId xmlns:a16="http://schemas.microsoft.com/office/drawing/2014/main" xmlns="" id="{63920072-F0D4-437F-AAD7-67A75B8A9057}"/>
+                  <a16:creationId xmlns="" xmlns:a16="http://schemas.microsoft.com/office/drawing/2014/main" id="{63920072-F0D4-437F-AAD7-67A75B8A9057}"/>
                 </a:ext>
               </a:extLst>
             </p:cNvPr>
@@ -8310,7 +8294,7 @@
           <p:cNvPr id="47" name="20 Rectángulo redondeado">
             <a:extLst>
               <a:ext uri="{FF2B5EF4-FFF2-40B4-BE49-F238E27FC236}">
-                <a16:creationId xmlns:a16="http://schemas.microsoft.com/office/drawing/2014/main" xmlns="" id="{7938FCD4-2AEB-4A9C-BFA6-FF58F425573D}"/>
+                <a16:creationId xmlns="" xmlns:a16="http://schemas.microsoft.com/office/drawing/2014/main" id="{7938FCD4-2AEB-4A9C-BFA6-FF58F425573D}"/>
               </a:ext>
             </a:extLst>
           </p:cNvPr>
@@ -8371,7 +8355,7 @@
           <p:cNvPr id="52" name="20 Rectángulo redondeado">
             <a:extLst>
               <a:ext uri="{FF2B5EF4-FFF2-40B4-BE49-F238E27FC236}">
-                <a16:creationId xmlns:a16="http://schemas.microsoft.com/office/drawing/2014/main" xmlns="" id="{7938FCD4-2AEB-4A9C-BFA6-FF58F425573D}"/>
+                <a16:creationId xmlns="" xmlns:a16="http://schemas.microsoft.com/office/drawing/2014/main" id="{7938FCD4-2AEB-4A9C-BFA6-FF58F425573D}"/>
               </a:ext>
             </a:extLst>
           </p:cNvPr>
@@ -8436,7 +8420,7 @@
           <p:cNvPr id="83" name="16 Decisión">
             <a:extLst>
               <a:ext uri="{FF2B5EF4-FFF2-40B4-BE49-F238E27FC236}">
-                <a16:creationId xmlns:a16="http://schemas.microsoft.com/office/drawing/2014/main" xmlns="" id="{FD2C65EB-311B-4CBC-A411-E81D45AF1666}"/>
+                <a16:creationId xmlns="" xmlns:a16="http://schemas.microsoft.com/office/drawing/2014/main" id="{FD2C65EB-311B-4CBC-A411-E81D45AF1666}"/>
               </a:ext>
             </a:extLst>
           </p:cNvPr>
@@ -8494,7 +8478,7 @@
           <p:cNvPr id="86" name="30 CuadroTexto">
             <a:extLst>
               <a:ext uri="{FF2B5EF4-FFF2-40B4-BE49-F238E27FC236}">
-                <a16:creationId xmlns:a16="http://schemas.microsoft.com/office/drawing/2014/main" xmlns="" id="{4C0646B8-2B7E-4579-AEF8-C28BED180070}"/>
+                <a16:creationId xmlns="" xmlns:a16="http://schemas.microsoft.com/office/drawing/2014/main" id="{4C0646B8-2B7E-4579-AEF8-C28BED180070}"/>
               </a:ext>
             </a:extLst>
           </p:cNvPr>
@@ -8531,7 +8515,7 @@
           <p:cNvPr id="103" name="30 CuadroTexto">
             <a:extLst>
               <a:ext uri="{FF2B5EF4-FFF2-40B4-BE49-F238E27FC236}">
-                <a16:creationId xmlns:a16="http://schemas.microsoft.com/office/drawing/2014/main" xmlns="" id="{6FAC7A1A-4EE0-4C6E-8C57-737F69FEEA58}"/>
+                <a16:creationId xmlns="" xmlns:a16="http://schemas.microsoft.com/office/drawing/2014/main" id="{6FAC7A1A-4EE0-4C6E-8C57-737F69FEEA58}"/>
               </a:ext>
             </a:extLst>
           </p:cNvPr>
@@ -8605,7 +8589,7 @@
           <p:cNvPr id="76" name="20 Rectángulo redondeado">
             <a:extLst>
               <a:ext uri="{FF2B5EF4-FFF2-40B4-BE49-F238E27FC236}">
-                <a16:creationId xmlns:a16="http://schemas.microsoft.com/office/drawing/2014/main" xmlns="" id="{7938FCD4-2AEB-4A9C-BFA6-FF58F425573D}"/>
+                <a16:creationId xmlns="" xmlns:a16="http://schemas.microsoft.com/office/drawing/2014/main" id="{7938FCD4-2AEB-4A9C-BFA6-FF58F425573D}"/>
               </a:ext>
             </a:extLst>
           </p:cNvPr>
@@ -8673,7 +8657,7 @@
           <p:cNvPr id="77" name="20 Rectángulo redondeado">
             <a:extLst>
               <a:ext uri="{FF2B5EF4-FFF2-40B4-BE49-F238E27FC236}">
-                <a16:creationId xmlns:a16="http://schemas.microsoft.com/office/drawing/2014/main" xmlns="" id="{7938FCD4-2AEB-4A9C-BFA6-FF58F425573D}"/>
+                <a16:creationId xmlns="" xmlns:a16="http://schemas.microsoft.com/office/drawing/2014/main" id="{7938FCD4-2AEB-4A9C-BFA6-FF58F425573D}"/>
               </a:ext>
             </a:extLst>
           </p:cNvPr>
@@ -8738,7 +8722,7 @@
           <p:cNvPr id="3" name="19 Grupo">
             <a:extLst>
               <a:ext uri="{FF2B5EF4-FFF2-40B4-BE49-F238E27FC236}">
-                <a16:creationId xmlns:a16="http://schemas.microsoft.com/office/drawing/2014/main" xmlns="" id="{72728B6F-9E0E-4855-9B6A-D98006B948B6}"/>
+                <a16:creationId xmlns="" xmlns:a16="http://schemas.microsoft.com/office/drawing/2014/main" id="{72728B6F-9E0E-4855-9B6A-D98006B948B6}"/>
               </a:ext>
             </a:extLst>
           </p:cNvPr>
@@ -8758,7 +8742,7 @@
             <p:cNvPr id="80" name="42 Conector">
               <a:extLst>
                 <a:ext uri="{FF2B5EF4-FFF2-40B4-BE49-F238E27FC236}">
-                  <a16:creationId xmlns:a16="http://schemas.microsoft.com/office/drawing/2014/main" xmlns="" id="{373A1267-C09A-4344-AB04-4D134201A6BE}"/>
+                  <a16:creationId xmlns="" xmlns:a16="http://schemas.microsoft.com/office/drawing/2014/main" id="{373A1267-C09A-4344-AB04-4D134201A6BE}"/>
                 </a:ext>
               </a:extLst>
             </p:cNvPr>
@@ -8815,7 +8799,7 @@
             <p:cNvPr id="82" name="43 Conector">
               <a:extLst>
                 <a:ext uri="{FF2B5EF4-FFF2-40B4-BE49-F238E27FC236}">
-                  <a16:creationId xmlns:a16="http://schemas.microsoft.com/office/drawing/2014/main" xmlns="" id="{63920072-F0D4-437F-AAD7-67A75B8A9057}"/>
+                  <a16:creationId xmlns="" xmlns:a16="http://schemas.microsoft.com/office/drawing/2014/main" id="{63920072-F0D4-437F-AAD7-67A75B8A9057}"/>
                 </a:ext>
               </a:extLst>
             </p:cNvPr>
@@ -8870,7 +8854,7 @@
           <p:cNvPr id="87" name="16 Decisión">
             <a:extLst>
               <a:ext uri="{FF2B5EF4-FFF2-40B4-BE49-F238E27FC236}">
-                <a16:creationId xmlns:a16="http://schemas.microsoft.com/office/drawing/2014/main" xmlns="" id="{FD2C65EB-311B-4CBC-A411-E81D45AF1666}"/>
+                <a16:creationId xmlns="" xmlns:a16="http://schemas.microsoft.com/office/drawing/2014/main" id="{FD2C65EB-311B-4CBC-A411-E81D45AF1666}"/>
               </a:ext>
             </a:extLst>
           </p:cNvPr>
@@ -8928,7 +8912,7 @@
           <p:cNvPr id="4" name="19 Grupo">
             <a:extLst>
               <a:ext uri="{FF2B5EF4-FFF2-40B4-BE49-F238E27FC236}">
-                <a16:creationId xmlns:a16="http://schemas.microsoft.com/office/drawing/2014/main" xmlns="" id="{72728B6F-9E0E-4855-9B6A-D98006B948B6}"/>
+                <a16:creationId xmlns="" xmlns:a16="http://schemas.microsoft.com/office/drawing/2014/main" id="{72728B6F-9E0E-4855-9B6A-D98006B948B6}"/>
               </a:ext>
             </a:extLst>
           </p:cNvPr>
@@ -8948,7 +8932,7 @@
             <p:cNvPr id="108" name="42 Conector">
               <a:extLst>
                 <a:ext uri="{FF2B5EF4-FFF2-40B4-BE49-F238E27FC236}">
-                  <a16:creationId xmlns:a16="http://schemas.microsoft.com/office/drawing/2014/main" xmlns="" id="{373A1267-C09A-4344-AB04-4D134201A6BE}"/>
+                  <a16:creationId xmlns="" xmlns:a16="http://schemas.microsoft.com/office/drawing/2014/main" id="{373A1267-C09A-4344-AB04-4D134201A6BE}"/>
                 </a:ext>
               </a:extLst>
             </p:cNvPr>
@@ -9005,7 +8989,7 @@
             <p:cNvPr id="112" name="43 Conector">
               <a:extLst>
                 <a:ext uri="{FF2B5EF4-FFF2-40B4-BE49-F238E27FC236}">
-                  <a16:creationId xmlns:a16="http://schemas.microsoft.com/office/drawing/2014/main" xmlns="" id="{63920072-F0D4-437F-AAD7-67A75B8A9057}"/>
+                  <a16:creationId xmlns="" xmlns:a16="http://schemas.microsoft.com/office/drawing/2014/main" id="{63920072-F0D4-437F-AAD7-67A75B8A9057}"/>
                 </a:ext>
               </a:extLst>
             </p:cNvPr>
@@ -9060,7 +9044,7 @@
           <p:cNvPr id="113" name="30 CuadroTexto">
             <a:extLst>
               <a:ext uri="{FF2B5EF4-FFF2-40B4-BE49-F238E27FC236}">
-                <a16:creationId xmlns:a16="http://schemas.microsoft.com/office/drawing/2014/main" xmlns="" id="{4C0646B8-2B7E-4579-AEF8-C28BED180070}"/>
+                <a16:creationId xmlns="" xmlns:a16="http://schemas.microsoft.com/office/drawing/2014/main" id="{4C0646B8-2B7E-4579-AEF8-C28BED180070}"/>
               </a:ext>
             </a:extLst>
           </p:cNvPr>
@@ -9097,7 +9081,7 @@
           <p:cNvPr id="114" name="20 Rectángulo redondeado">
             <a:extLst>
               <a:ext uri="{FF2B5EF4-FFF2-40B4-BE49-F238E27FC236}">
-                <a16:creationId xmlns:a16="http://schemas.microsoft.com/office/drawing/2014/main" xmlns="" id="{7938FCD4-2AEB-4A9C-BFA6-FF58F425573D}"/>
+                <a16:creationId xmlns="" xmlns:a16="http://schemas.microsoft.com/office/drawing/2014/main" id="{7938FCD4-2AEB-4A9C-BFA6-FF58F425573D}"/>
               </a:ext>
             </a:extLst>
           </p:cNvPr>
@@ -9165,7 +9149,7 @@
           <p:cNvPr id="115" name="20 Rectángulo redondeado">
             <a:extLst>
               <a:ext uri="{FF2B5EF4-FFF2-40B4-BE49-F238E27FC236}">
-                <a16:creationId xmlns:a16="http://schemas.microsoft.com/office/drawing/2014/main" xmlns="" id="{7938FCD4-2AEB-4A9C-BFA6-FF58F425573D}"/>
+                <a16:creationId xmlns="" xmlns:a16="http://schemas.microsoft.com/office/drawing/2014/main" id="{7938FCD4-2AEB-4A9C-BFA6-FF58F425573D}"/>
               </a:ext>
             </a:extLst>
           </p:cNvPr>
@@ -9233,7 +9217,7 @@
           <p:cNvPr id="5" name="19 Grupo">
             <a:extLst>
               <a:ext uri="{FF2B5EF4-FFF2-40B4-BE49-F238E27FC236}">
-                <a16:creationId xmlns:a16="http://schemas.microsoft.com/office/drawing/2014/main" xmlns="" id="{72728B6F-9E0E-4855-9B6A-D98006B948B6}"/>
+                <a16:creationId xmlns="" xmlns:a16="http://schemas.microsoft.com/office/drawing/2014/main" id="{72728B6F-9E0E-4855-9B6A-D98006B948B6}"/>
               </a:ext>
             </a:extLst>
           </p:cNvPr>
@@ -9253,7 +9237,7 @@
             <p:cNvPr id="57" name="42 Conector">
               <a:extLst>
                 <a:ext uri="{FF2B5EF4-FFF2-40B4-BE49-F238E27FC236}">
-                  <a16:creationId xmlns:a16="http://schemas.microsoft.com/office/drawing/2014/main" xmlns="" id="{373A1267-C09A-4344-AB04-4D134201A6BE}"/>
+                  <a16:creationId xmlns="" xmlns:a16="http://schemas.microsoft.com/office/drawing/2014/main" id="{373A1267-C09A-4344-AB04-4D134201A6BE}"/>
                 </a:ext>
               </a:extLst>
             </p:cNvPr>
@@ -9310,7 +9294,7 @@
             <p:cNvPr id="58" name="43 Conector">
               <a:extLst>
                 <a:ext uri="{FF2B5EF4-FFF2-40B4-BE49-F238E27FC236}">
-                  <a16:creationId xmlns:a16="http://schemas.microsoft.com/office/drawing/2014/main" xmlns="" id="{63920072-F0D4-437F-AAD7-67A75B8A9057}"/>
+                  <a16:creationId xmlns="" xmlns:a16="http://schemas.microsoft.com/office/drawing/2014/main" id="{63920072-F0D4-437F-AAD7-67A75B8A9057}"/>
                 </a:ext>
               </a:extLst>
             </p:cNvPr>
@@ -9403,7 +9387,7 @@
           <p:cNvPr id="72" name="29 Conector recto de flecha">
             <a:extLst>
               <a:ext uri="{FF2B5EF4-FFF2-40B4-BE49-F238E27FC236}">
-                <a16:creationId xmlns:a16="http://schemas.microsoft.com/office/drawing/2014/main" xmlns="" id="{E051F635-5666-428C-91BF-EB77E088BD3E}"/>
+                <a16:creationId xmlns="" xmlns:a16="http://schemas.microsoft.com/office/drawing/2014/main" id="{E051F635-5666-428C-91BF-EB77E088BD3E}"/>
               </a:ext>
             </a:extLst>
           </p:cNvPr>
@@ -9446,7 +9430,7 @@
           <p:cNvPr id="73" name="30 CuadroTexto">
             <a:extLst>
               <a:ext uri="{FF2B5EF4-FFF2-40B4-BE49-F238E27FC236}">
-                <a16:creationId xmlns:a16="http://schemas.microsoft.com/office/drawing/2014/main" xmlns="" id="{5B67840B-D3E7-4642-A33C-52505043E768}"/>
+                <a16:creationId xmlns="" xmlns:a16="http://schemas.microsoft.com/office/drawing/2014/main" id="{5B67840B-D3E7-4642-A33C-52505043E768}"/>
               </a:ext>
             </a:extLst>
           </p:cNvPr>
@@ -9481,7 +9465,7 @@
           <p:cNvPr id="74" name="29 Conector recto de flecha">
             <a:extLst>
               <a:ext uri="{FF2B5EF4-FFF2-40B4-BE49-F238E27FC236}">
-                <a16:creationId xmlns:a16="http://schemas.microsoft.com/office/drawing/2014/main" xmlns="" id="{E051F635-5666-428C-91BF-EB77E088BD3E}"/>
+                <a16:creationId xmlns="" xmlns:a16="http://schemas.microsoft.com/office/drawing/2014/main" id="{E051F635-5666-428C-91BF-EB77E088BD3E}"/>
               </a:ext>
             </a:extLst>
           </p:cNvPr>
@@ -9524,7 +9508,7 @@
           <p:cNvPr id="75" name="30 CuadroTexto">
             <a:extLst>
               <a:ext uri="{FF2B5EF4-FFF2-40B4-BE49-F238E27FC236}">
-                <a16:creationId xmlns:a16="http://schemas.microsoft.com/office/drawing/2014/main" xmlns="" id="{5B67840B-D3E7-4642-A33C-52505043E768}"/>
+                <a16:creationId xmlns="" xmlns:a16="http://schemas.microsoft.com/office/drawing/2014/main" id="{5B67840B-D3E7-4642-A33C-52505043E768}"/>
               </a:ext>
             </a:extLst>
           </p:cNvPr>
@@ -9559,7 +9543,7 @@
           <p:cNvPr id="78" name="29 Conector recto de flecha">
             <a:extLst>
               <a:ext uri="{FF2B5EF4-FFF2-40B4-BE49-F238E27FC236}">
-                <a16:creationId xmlns:a16="http://schemas.microsoft.com/office/drawing/2014/main" xmlns="" id="{E051F635-5666-428C-91BF-EB77E088BD3E}"/>
+                <a16:creationId xmlns="" xmlns:a16="http://schemas.microsoft.com/office/drawing/2014/main" id="{E051F635-5666-428C-91BF-EB77E088BD3E}"/>
               </a:ext>
             </a:extLst>
           </p:cNvPr>
@@ -9602,7 +9586,7 @@
           <p:cNvPr id="79" name="30 CuadroTexto">
             <a:extLst>
               <a:ext uri="{FF2B5EF4-FFF2-40B4-BE49-F238E27FC236}">
-                <a16:creationId xmlns:a16="http://schemas.microsoft.com/office/drawing/2014/main" xmlns="" id="{5B67840B-D3E7-4642-A33C-52505043E768}"/>
+                <a16:creationId xmlns="" xmlns:a16="http://schemas.microsoft.com/office/drawing/2014/main" id="{5B67840B-D3E7-4642-A33C-52505043E768}"/>
               </a:ext>
             </a:extLst>
           </p:cNvPr>
@@ -9675,7 +9659,7 @@
           <p:cNvPr id="100" name="29 Conector recto de flecha">
             <a:extLst>
               <a:ext uri="{FF2B5EF4-FFF2-40B4-BE49-F238E27FC236}">
-                <a16:creationId xmlns:a16="http://schemas.microsoft.com/office/drawing/2014/main" xmlns="" id="{E051F635-5666-428C-91BF-EB77E088BD3E}"/>
+                <a16:creationId xmlns="" xmlns:a16="http://schemas.microsoft.com/office/drawing/2014/main" id="{E051F635-5666-428C-91BF-EB77E088BD3E}"/>
               </a:ext>
             </a:extLst>
           </p:cNvPr>
@@ -9718,7 +9702,7 @@
           <p:cNvPr id="105" name="29 Conector recto de flecha">
             <a:extLst>
               <a:ext uri="{FF2B5EF4-FFF2-40B4-BE49-F238E27FC236}">
-                <a16:creationId xmlns:a16="http://schemas.microsoft.com/office/drawing/2014/main" xmlns="" id="{E051F635-5666-428C-91BF-EB77E088BD3E}"/>
+                <a16:creationId xmlns="" xmlns:a16="http://schemas.microsoft.com/office/drawing/2014/main" id="{E051F635-5666-428C-91BF-EB77E088BD3E}"/>
               </a:ext>
             </a:extLst>
           </p:cNvPr>
@@ -9761,7 +9745,7 @@
           <p:cNvPr id="106" name="29 Conector recto de flecha">
             <a:extLst>
               <a:ext uri="{FF2B5EF4-FFF2-40B4-BE49-F238E27FC236}">
-                <a16:creationId xmlns:a16="http://schemas.microsoft.com/office/drawing/2014/main" xmlns="" id="{E051F635-5666-428C-91BF-EB77E088BD3E}"/>
+                <a16:creationId xmlns="" xmlns:a16="http://schemas.microsoft.com/office/drawing/2014/main" id="{E051F635-5666-428C-91BF-EB77E088BD3E}"/>
               </a:ext>
             </a:extLst>
           </p:cNvPr>
@@ -9804,7 +9788,7 @@
           <p:cNvPr id="109" name="29 Conector recto de flecha">
             <a:extLst>
               <a:ext uri="{FF2B5EF4-FFF2-40B4-BE49-F238E27FC236}">
-                <a16:creationId xmlns:a16="http://schemas.microsoft.com/office/drawing/2014/main" xmlns="" id="{E051F635-5666-428C-91BF-EB77E088BD3E}"/>
+                <a16:creationId xmlns="" xmlns:a16="http://schemas.microsoft.com/office/drawing/2014/main" id="{E051F635-5666-428C-91BF-EB77E088BD3E}"/>
               </a:ext>
             </a:extLst>
           </p:cNvPr>
@@ -9847,7 +9831,7 @@
           <p:cNvPr id="117" name="29 Conector recto de flecha">
             <a:extLst>
               <a:ext uri="{FF2B5EF4-FFF2-40B4-BE49-F238E27FC236}">
-                <a16:creationId xmlns:a16="http://schemas.microsoft.com/office/drawing/2014/main" xmlns="" id="{E051F635-5666-428C-91BF-EB77E088BD3E}"/>
+                <a16:creationId xmlns="" xmlns:a16="http://schemas.microsoft.com/office/drawing/2014/main" id="{E051F635-5666-428C-91BF-EB77E088BD3E}"/>
               </a:ext>
             </a:extLst>
           </p:cNvPr>
@@ -9890,7 +9874,7 @@
           <p:cNvPr id="131" name="30 CuadroTexto">
             <a:extLst>
               <a:ext uri="{FF2B5EF4-FFF2-40B4-BE49-F238E27FC236}">
-                <a16:creationId xmlns:a16="http://schemas.microsoft.com/office/drawing/2014/main" xmlns="" id="{6FAC7A1A-4EE0-4C6E-8C57-737F69FEEA58}"/>
+                <a16:creationId xmlns="" xmlns:a16="http://schemas.microsoft.com/office/drawing/2014/main" id="{6FAC7A1A-4EE0-4C6E-8C57-737F69FEEA58}"/>
               </a:ext>
             </a:extLst>
           </p:cNvPr>
@@ -9926,7 +9910,7 @@
           <p:cNvPr id="132" name="30 CuadroTexto">
             <a:extLst>
               <a:ext uri="{FF2B5EF4-FFF2-40B4-BE49-F238E27FC236}">
-                <a16:creationId xmlns:a16="http://schemas.microsoft.com/office/drawing/2014/main" xmlns="" id="{6FAC7A1A-4EE0-4C6E-8C57-737F69FEEA58}"/>
+                <a16:creationId xmlns="" xmlns:a16="http://schemas.microsoft.com/office/drawing/2014/main" id="{6FAC7A1A-4EE0-4C6E-8C57-737F69FEEA58}"/>
               </a:ext>
             </a:extLst>
           </p:cNvPr>
@@ -9986,7 +9970,7 @@
           <p:cNvPr id="93" name="20 Rectángulo redondeado">
             <a:extLst>
               <a:ext uri="{FF2B5EF4-FFF2-40B4-BE49-F238E27FC236}">
-                <a16:creationId xmlns:a16="http://schemas.microsoft.com/office/drawing/2014/main" xmlns="" id="{7938FCD4-2AEB-4A9C-BFA6-FF58F425573D}"/>
+                <a16:creationId xmlns="" xmlns:a16="http://schemas.microsoft.com/office/drawing/2014/main" id="{7938FCD4-2AEB-4A9C-BFA6-FF58F425573D}"/>
               </a:ext>
             </a:extLst>
           </p:cNvPr>
@@ -10054,7 +10038,7 @@
           <p:cNvPr id="98" name="20 Rectángulo redondeado">
             <a:extLst>
               <a:ext uri="{FF2B5EF4-FFF2-40B4-BE49-F238E27FC236}">
-                <a16:creationId xmlns:a16="http://schemas.microsoft.com/office/drawing/2014/main" xmlns="" id="{7938FCD4-2AEB-4A9C-BFA6-FF58F425573D}"/>
+                <a16:creationId xmlns="" xmlns:a16="http://schemas.microsoft.com/office/drawing/2014/main" id="{7938FCD4-2AEB-4A9C-BFA6-FF58F425573D}"/>
               </a:ext>
             </a:extLst>
           </p:cNvPr>
@@ -10122,7 +10106,7 @@
           <p:cNvPr id="101" name="19 Grupo">
             <a:extLst>
               <a:ext uri="{FF2B5EF4-FFF2-40B4-BE49-F238E27FC236}">
-                <a16:creationId xmlns:a16="http://schemas.microsoft.com/office/drawing/2014/main" xmlns="" id="{72728B6F-9E0E-4855-9B6A-D98006B948B6}"/>
+                <a16:creationId xmlns="" xmlns:a16="http://schemas.microsoft.com/office/drawing/2014/main" id="{72728B6F-9E0E-4855-9B6A-D98006B948B6}"/>
               </a:ext>
             </a:extLst>
           </p:cNvPr>
@@ -10142,7 +10126,7 @@
             <p:cNvPr id="102" name="42 Conector">
               <a:extLst>
                 <a:ext uri="{FF2B5EF4-FFF2-40B4-BE49-F238E27FC236}">
-                  <a16:creationId xmlns:a16="http://schemas.microsoft.com/office/drawing/2014/main" xmlns="" id="{373A1267-C09A-4344-AB04-4D134201A6BE}"/>
+                  <a16:creationId xmlns="" xmlns:a16="http://schemas.microsoft.com/office/drawing/2014/main" id="{373A1267-C09A-4344-AB04-4D134201A6BE}"/>
                 </a:ext>
               </a:extLst>
             </p:cNvPr>
@@ -10199,7 +10183,7 @@
             <p:cNvPr id="103" name="43 Conector">
               <a:extLst>
                 <a:ext uri="{FF2B5EF4-FFF2-40B4-BE49-F238E27FC236}">
-                  <a16:creationId xmlns:a16="http://schemas.microsoft.com/office/drawing/2014/main" xmlns="" id="{63920072-F0D4-437F-AAD7-67A75B8A9057}"/>
+                  <a16:creationId xmlns="" xmlns:a16="http://schemas.microsoft.com/office/drawing/2014/main" id="{63920072-F0D4-437F-AAD7-67A75B8A9057}"/>
                 </a:ext>
               </a:extLst>
             </p:cNvPr>
@@ -10254,7 +10238,7 @@
           <p:cNvPr id="105" name="36 Conector">
             <a:extLst>
               <a:ext uri="{FF2B5EF4-FFF2-40B4-BE49-F238E27FC236}">
-                <a16:creationId xmlns:a16="http://schemas.microsoft.com/office/drawing/2014/main" xmlns="" id="{11CC1446-9291-450E-9B53-2A15F8DBEF08}"/>
+                <a16:creationId xmlns="" xmlns:a16="http://schemas.microsoft.com/office/drawing/2014/main" id="{11CC1446-9291-450E-9B53-2A15F8DBEF08}"/>
               </a:ext>
             </a:extLst>
           </p:cNvPr>
@@ -10306,7 +10290,7 @@
           <p:cNvPr id="106" name="29 Conector recto de flecha">
             <a:extLst>
               <a:ext uri="{FF2B5EF4-FFF2-40B4-BE49-F238E27FC236}">
-                <a16:creationId xmlns:a16="http://schemas.microsoft.com/office/drawing/2014/main" xmlns="" id="{E051F635-5666-428C-91BF-EB77E088BD3E}"/>
+                <a16:creationId xmlns="" xmlns:a16="http://schemas.microsoft.com/office/drawing/2014/main" id="{E051F635-5666-428C-91BF-EB77E088BD3E}"/>
               </a:ext>
             </a:extLst>
           </p:cNvPr>
@@ -10349,7 +10333,7 @@
           <p:cNvPr id="112" name="29 Conector recto de flecha">
             <a:extLst>
               <a:ext uri="{FF2B5EF4-FFF2-40B4-BE49-F238E27FC236}">
-                <a16:creationId xmlns:a16="http://schemas.microsoft.com/office/drawing/2014/main" xmlns="" id="{E051F635-5666-428C-91BF-EB77E088BD3E}"/>
+                <a16:creationId xmlns="" xmlns:a16="http://schemas.microsoft.com/office/drawing/2014/main" id="{E051F635-5666-428C-91BF-EB77E088BD3E}"/>
               </a:ext>
             </a:extLst>
           </p:cNvPr>
@@ -10392,7 +10376,7 @@
           <p:cNvPr id="113" name="29 Conector recto de flecha">
             <a:extLst>
               <a:ext uri="{FF2B5EF4-FFF2-40B4-BE49-F238E27FC236}">
-                <a16:creationId xmlns:a16="http://schemas.microsoft.com/office/drawing/2014/main" xmlns="" id="{E051F635-5666-428C-91BF-EB77E088BD3E}"/>
+                <a16:creationId xmlns="" xmlns:a16="http://schemas.microsoft.com/office/drawing/2014/main" id="{E051F635-5666-428C-91BF-EB77E088BD3E}"/>
               </a:ext>
             </a:extLst>
           </p:cNvPr>
